--- a/images/theory_analysis/Consul/Consul.pptx
+++ b/images/theory_analysis/Consul/Consul.pptx
@@ -215,7 +215,7 @@
           <a:p>
             <a:fld id="{6CD5550B-26C4-49A9-A5BA-636EF7BE6CE9}" type="datetimeFigureOut">
               <a:rPr lang="ko-KR" altLang="en-US" smtClean="0"/>
-              <a:t>2020-04-30</a:t>
+              <a:t>2020-05-01</a:t>
             </a:fld>
             <a:endParaRPr lang="ko-KR" altLang="en-US"/>
           </a:p>
@@ -745,7 +745,7 @@
           <a:p>
             <a:fld id="{FB30EDBD-1C2D-4C1E-B459-B60219FAB484}" type="datetimeFigureOut">
               <a:rPr lang="ko-KR" altLang="en-US" smtClean="0"/>
-              <a:t>2020-04-30</a:t>
+              <a:t>2020-05-01</a:t>
             </a:fld>
             <a:endParaRPr lang="ko-KR" altLang="en-US"/>
           </a:p>
@@ -908,7 +908,7 @@
           <a:p>
             <a:fld id="{FB30EDBD-1C2D-4C1E-B459-B60219FAB484}" type="datetimeFigureOut">
               <a:rPr lang="ko-KR" altLang="en-US" smtClean="0"/>
-              <a:t>2020-04-30</a:t>
+              <a:t>2020-05-01</a:t>
             </a:fld>
             <a:endParaRPr lang="ko-KR" altLang="en-US"/>
           </a:p>
@@ -1081,7 +1081,7 @@
           <a:p>
             <a:fld id="{FB30EDBD-1C2D-4C1E-B459-B60219FAB484}" type="datetimeFigureOut">
               <a:rPr lang="ko-KR" altLang="en-US" smtClean="0"/>
-              <a:t>2020-04-30</a:t>
+              <a:t>2020-05-01</a:t>
             </a:fld>
             <a:endParaRPr lang="ko-KR" altLang="en-US"/>
           </a:p>
@@ -1244,7 +1244,7 @@
           <a:p>
             <a:fld id="{FB30EDBD-1C2D-4C1E-B459-B60219FAB484}" type="datetimeFigureOut">
               <a:rPr lang="ko-KR" altLang="en-US" smtClean="0"/>
-              <a:t>2020-04-30</a:t>
+              <a:t>2020-05-01</a:t>
             </a:fld>
             <a:endParaRPr lang="ko-KR" altLang="en-US"/>
           </a:p>
@@ -1484,7 +1484,7 @@
           <a:p>
             <a:fld id="{FB30EDBD-1C2D-4C1E-B459-B60219FAB484}" type="datetimeFigureOut">
               <a:rPr lang="ko-KR" altLang="en-US" smtClean="0"/>
-              <a:t>2020-04-30</a:t>
+              <a:t>2020-05-01</a:t>
             </a:fld>
             <a:endParaRPr lang="ko-KR" altLang="en-US"/>
           </a:p>
@@ -1764,7 +1764,7 @@
           <a:p>
             <a:fld id="{FB30EDBD-1C2D-4C1E-B459-B60219FAB484}" type="datetimeFigureOut">
               <a:rPr lang="ko-KR" altLang="en-US" smtClean="0"/>
-              <a:t>2020-04-30</a:t>
+              <a:t>2020-05-01</a:t>
             </a:fld>
             <a:endParaRPr lang="ko-KR" altLang="en-US"/>
           </a:p>
@@ -2178,7 +2178,7 @@
           <a:p>
             <a:fld id="{FB30EDBD-1C2D-4C1E-B459-B60219FAB484}" type="datetimeFigureOut">
               <a:rPr lang="ko-KR" altLang="en-US" smtClean="0"/>
-              <a:t>2020-04-30</a:t>
+              <a:t>2020-05-01</a:t>
             </a:fld>
             <a:endParaRPr lang="ko-KR" altLang="en-US"/>
           </a:p>
@@ -2290,7 +2290,7 @@
           <a:p>
             <a:fld id="{FB30EDBD-1C2D-4C1E-B459-B60219FAB484}" type="datetimeFigureOut">
               <a:rPr lang="ko-KR" altLang="en-US" smtClean="0"/>
-              <a:t>2020-04-30</a:t>
+              <a:t>2020-05-01</a:t>
             </a:fld>
             <a:endParaRPr lang="ko-KR" altLang="en-US"/>
           </a:p>
@@ -2380,7 +2380,7 @@
           <a:p>
             <a:fld id="{FB30EDBD-1C2D-4C1E-B459-B60219FAB484}" type="datetimeFigureOut">
               <a:rPr lang="ko-KR" altLang="en-US" smtClean="0"/>
-              <a:t>2020-04-30</a:t>
+              <a:t>2020-05-01</a:t>
             </a:fld>
             <a:endParaRPr lang="ko-KR" altLang="en-US"/>
           </a:p>
@@ -2650,7 +2650,7 @@
           <a:p>
             <a:fld id="{FB30EDBD-1C2D-4C1E-B459-B60219FAB484}" type="datetimeFigureOut">
               <a:rPr lang="ko-KR" altLang="en-US" smtClean="0"/>
-              <a:t>2020-04-30</a:t>
+              <a:t>2020-05-01</a:t>
             </a:fld>
             <a:endParaRPr lang="ko-KR" altLang="en-US"/>
           </a:p>
@@ -2897,7 +2897,7 @@
           <a:p>
             <a:fld id="{FB30EDBD-1C2D-4C1E-B459-B60219FAB484}" type="datetimeFigureOut">
               <a:rPr lang="ko-KR" altLang="en-US" smtClean="0"/>
-              <a:t>2020-04-30</a:t>
+              <a:t>2020-05-01</a:t>
             </a:fld>
             <a:endParaRPr lang="ko-KR" altLang="en-US"/>
           </a:p>
@@ -3103,7 +3103,7 @@
           <a:p>
             <a:fld id="{FB30EDBD-1C2D-4C1E-B459-B60219FAB484}" type="datetimeFigureOut">
               <a:rPr lang="ko-KR" altLang="en-US" smtClean="0"/>
-              <a:t>2020-04-30</a:t>
+              <a:t>2020-05-01</a:t>
             </a:fld>
             <a:endParaRPr lang="ko-KR" altLang="en-US"/>
           </a:p>
@@ -3727,8 +3727,8 @@
         </p:nvSpPr>
         <p:spPr>
           <a:xfrm>
-            <a:off x="987277" y="4844690"/>
-            <a:ext cx="2664296" cy="261610"/>
+            <a:off x="987276" y="4844690"/>
+            <a:ext cx="2870323" cy="276999"/>
           </a:xfrm>
           <a:prstGeom prst="rect">
             <a:avLst/>
@@ -3742,7 +3742,7 @@
           <a:lstStyle/>
           <a:p>
             <a:r>
-              <a:rPr lang="en-US" altLang="ko-KR" sz="1100"/>
+              <a:rPr lang="en-US" altLang="ko-KR" sz="1200"/>
               <a:t>Client Request to Local Consul Server</a:t>
             </a:r>
           </a:p>
@@ -3765,8 +3765,8 @@
         </p:nvCxnSpPr>
         <p:spPr>
           <a:xfrm>
-            <a:off x="679132" y="4975495"/>
-            <a:ext cx="308145" cy="0"/>
+            <a:off x="755576" y="4983190"/>
+            <a:ext cx="231700" cy="0"/>
           </a:xfrm>
           <a:prstGeom prst="straightConnector1">
             <a:avLst/>
@@ -5045,8 +5045,8 @@
         </p:nvSpPr>
         <p:spPr>
           <a:xfrm>
-            <a:off x="3876854" y="4848329"/>
-            <a:ext cx="2850949" cy="261610"/>
+            <a:off x="4088056" y="4848329"/>
+            <a:ext cx="3071410" cy="276999"/>
           </a:xfrm>
           <a:prstGeom prst="rect">
             <a:avLst/>
@@ -5060,7 +5060,7 @@
           <a:lstStyle/>
           <a:p>
             <a:r>
-              <a:rPr lang="en-US" altLang="ko-KR" sz="1100"/>
+              <a:rPr lang="en-US" altLang="ko-KR" sz="1200"/>
               <a:t>Client Request to Remote Consul Server</a:t>
             </a:r>
           </a:p>
@@ -5077,14 +5077,15 @@
           </p:cNvPr>
           <p:cNvCxnSpPr>
             <a:cxnSpLocks/>
+            <a:stCxn id="35" idx="3"/>
             <a:endCxn id="137" idx="1"/>
           </p:cNvCxnSpPr>
           <p:nvPr/>
         </p:nvCxnSpPr>
         <p:spPr>
           <a:xfrm>
-            <a:off x="3568710" y="4979134"/>
-            <a:ext cx="308144" cy="0"/>
+            <a:off x="3857599" y="4983190"/>
+            <a:ext cx="230457" cy="3639"/>
           </a:xfrm>
           <a:prstGeom prst="straightConnector1">
             <a:avLst/>

--- a/images/theory_analysis/Consul/Consul.pptx
+++ b/images/theory_analysis/Consul/Consul.pptx
@@ -5,12 +5,13 @@
     <p:sldMasterId id="2147483648" r:id="rId1"/>
   </p:sldMasterIdLst>
   <p:notesMasterIdLst>
-    <p:notesMasterId r:id="rId5"/>
+    <p:notesMasterId r:id="rId6"/>
   </p:notesMasterIdLst>
   <p:sldIdLst>
     <p:sldId id="365" r:id="rId2"/>
     <p:sldId id="363" r:id="rId3"/>
-    <p:sldId id="364" r:id="rId4"/>
+    <p:sldId id="366" r:id="rId4"/>
+    <p:sldId id="364" r:id="rId5"/>
   </p:sldIdLst>
   <p:sldSz cx="9144000" cy="5143500" type="screen16x9"/>
   <p:notesSz cx="6858000" cy="9144000"/>
@@ -557,6 +558,90 @@
     <p:extLst>
       <p:ext uri="{BB962C8B-B14F-4D97-AF65-F5344CB8AC3E}">
         <p14:creationId xmlns:p14="http://schemas.microsoft.com/office/powerpoint/2010/main" val="337211345"/>
+      </p:ext>
+    </p:extLst>
+  </p:cSld>
+  <p:clrMapOvr>
+    <a:masterClrMapping/>
+  </p:clrMapOvr>
+</p:notes>
+</file>
+
+<file path=ppt/notesSlides/notesSlide2.xml><?xml version="1.0" encoding="utf-8"?>
+<p:notes xmlns:a="http://schemas.openxmlformats.org/drawingml/2006/main" xmlns:r="http://schemas.openxmlformats.org/officeDocument/2006/relationships" xmlns:p="http://schemas.openxmlformats.org/presentationml/2006/main">
+  <p:cSld>
+    <p:spTree>
+      <p:nvGrpSpPr>
+        <p:cNvPr id="1" name=""/>
+        <p:cNvGrpSpPr/>
+        <p:nvPr/>
+      </p:nvGrpSpPr>
+      <p:grpSpPr>
+        <a:xfrm>
+          <a:off x="0" y="0"/>
+          <a:ext cx="0" cy="0"/>
+          <a:chOff x="0" y="0"/>
+          <a:chExt cx="0" cy="0"/>
+        </a:xfrm>
+      </p:grpSpPr>
+      <p:sp>
+        <p:nvSpPr>
+          <p:cNvPr id="2" name="슬라이드 이미지 개체 틀 1"/>
+          <p:cNvSpPr>
+            <a:spLocks noGrp="1" noRot="1" noChangeAspect="1"/>
+          </p:cNvSpPr>
+          <p:nvPr>
+            <p:ph type="sldImg"/>
+          </p:nvPr>
+        </p:nvSpPr>
+        <p:spPr/>
+      </p:sp>
+      <p:sp>
+        <p:nvSpPr>
+          <p:cNvPr id="3" name="슬라이드 노트 개체 틀 2"/>
+          <p:cNvSpPr>
+            <a:spLocks noGrp="1"/>
+          </p:cNvSpPr>
+          <p:nvPr>
+            <p:ph type="body" idx="1"/>
+          </p:nvPr>
+        </p:nvSpPr>
+        <p:spPr/>
+        <p:txBody>
+          <a:bodyPr/>
+          <a:lstStyle/>
+          <a:p>
+            <a:endParaRPr lang="ko-KR" altLang="en-US"/>
+          </a:p>
+        </p:txBody>
+      </p:sp>
+      <p:sp>
+        <p:nvSpPr>
+          <p:cNvPr id="4" name="슬라이드 번호 개체 틀 3"/>
+          <p:cNvSpPr>
+            <a:spLocks noGrp="1"/>
+          </p:cNvSpPr>
+          <p:nvPr>
+            <p:ph type="sldNum" sz="quarter" idx="5"/>
+          </p:nvPr>
+        </p:nvSpPr>
+        <p:spPr/>
+        <p:txBody>
+          <a:bodyPr/>
+          <a:lstStyle/>
+          <a:p>
+            <a:fld id="{BA5DFA43-8D57-47FB-BC46-057616015C3B}" type="slidenum">
+              <a:rPr lang="ko-KR" altLang="en-US" smtClean="0"/>
+              <a:t>3</a:t>
+            </a:fld>
+            <a:endParaRPr lang="ko-KR" altLang="en-US"/>
+          </a:p>
+        </p:txBody>
+      </p:sp>
+    </p:spTree>
+    <p:extLst>
+      <p:ext uri="{BB962C8B-B14F-4D97-AF65-F5344CB8AC3E}">
+        <p14:creationId xmlns:p14="http://schemas.microsoft.com/office/powerpoint/2010/main" val="3732730481"/>
       </p:ext>
     </p:extLst>
   </p:cSld>
@@ -3491,7 +3576,7 @@
         </p:nvSpPr>
         <p:spPr>
           <a:xfrm>
-            <a:off x="457200" y="-164554"/>
+            <a:off x="457200" y="-812626"/>
             <a:ext cx="8229600" cy="857250"/>
           </a:xfrm>
         </p:spPr>
@@ -3531,8 +3616,8 @@
         </p:nvSpPr>
         <p:spPr>
           <a:xfrm>
-            <a:off x="637538" y="699542"/>
-            <a:ext cx="3888218" cy="4104456"/>
+            <a:off x="637538" y="143300"/>
+            <a:ext cx="3888218" cy="4588689"/>
           </a:xfrm>
           <a:prstGeom prst="roundRect">
             <a:avLst>
@@ -3582,8 +3667,8 @@
         </p:nvSpPr>
         <p:spPr>
           <a:xfrm>
-            <a:off x="1909187" y="886564"/>
-            <a:ext cx="1389410" cy="689869"/>
+            <a:off x="898908" y="1046992"/>
+            <a:ext cx="1389410" cy="846475"/>
           </a:xfrm>
           <a:prstGeom prst="roundRect">
             <a:avLst>
@@ -3612,7 +3697,14 @@
             <a:pPr algn="ctr"/>
             <a:r>
               <a:rPr lang="en-US" altLang="ko-KR" sz="1200"/>
-              <a:t>Consul Client A</a:t>
+              <a:t>Consul Client</a:t>
+            </a:r>
+          </a:p>
+          <a:p>
+            <a:pPr algn="ctr"/>
+            <a:r>
+              <a:rPr lang="en-US" altLang="ko-KR" sz="1200"/>
+              <a:t>Node A</a:t>
             </a:r>
           </a:p>
         </p:txBody>
@@ -3631,7 +3723,7 @@
         </p:nvSpPr>
         <p:spPr>
           <a:xfrm>
-            <a:off x="2053484" y="1203659"/>
+            <a:off x="1043205" y="1520693"/>
             <a:ext cx="1100816" cy="289856"/>
           </a:xfrm>
           <a:prstGeom prst="roundRect">
@@ -3684,8 +3776,8 @@
         </p:nvCxnSpPr>
         <p:spPr>
           <a:xfrm>
-            <a:off x="2603892" y="1493515"/>
-            <a:ext cx="0" cy="363936"/>
+            <a:off x="1593613" y="1810549"/>
+            <a:ext cx="1010279" cy="479371"/>
           </a:xfrm>
           <a:prstGeom prst="straightConnector1">
             <a:avLst/>
@@ -3727,7 +3819,7 @@
         </p:nvSpPr>
         <p:spPr>
           <a:xfrm>
-            <a:off x="987276" y="4844690"/>
+            <a:off x="843260" y="4772682"/>
             <a:ext cx="2870323" cy="276999"/>
           </a:xfrm>
           <a:prstGeom prst="rect">
@@ -3765,7 +3857,7 @@
         </p:nvCxnSpPr>
         <p:spPr>
           <a:xfrm>
-            <a:off x="755576" y="4983190"/>
+            <a:off x="611560" y="4911182"/>
             <a:ext cx="231700" cy="0"/>
           </a:xfrm>
           <a:prstGeom prst="straightConnector1">
@@ -3794,186 +3886,6 @@
           </a:fontRef>
         </p:style>
       </p:cxnSp>
-      <p:sp>
-        <p:nvSpPr>
-          <p:cNvPr id="13" name="사각형: 둥근 모서리 12">
-            <a:extLst>
-              <a:ext uri="{FF2B5EF4-FFF2-40B4-BE49-F238E27FC236}">
-                <a16:creationId xmlns:a16="http://schemas.microsoft.com/office/drawing/2014/main" id="{78B4F8B2-6CEE-4211-B403-8EDA4BFAACE0}"/>
-              </a:ext>
-            </a:extLst>
-          </p:cNvPr>
-          <p:cNvSpPr/>
-          <p:nvPr/>
-        </p:nvSpPr>
-        <p:spPr>
-          <a:xfrm>
-            <a:off x="1909186" y="1857451"/>
-            <a:ext cx="1389412" cy="654979"/>
-          </a:xfrm>
-          <a:prstGeom prst="roundRect">
-            <a:avLst>
-              <a:gd name="adj" fmla="val 7190"/>
-            </a:avLst>
-          </a:prstGeom>
-        </p:spPr>
-        <p:style>
-          <a:lnRef idx="2">
-            <a:schemeClr val="dk1"/>
-          </a:lnRef>
-          <a:fillRef idx="1">
-            <a:schemeClr val="lt1"/>
-          </a:fillRef>
-          <a:effectRef idx="0">
-            <a:schemeClr val="dk1"/>
-          </a:effectRef>
-          <a:fontRef idx="minor">
-            <a:schemeClr val="dk1"/>
-          </a:fontRef>
-        </p:style>
-        <p:txBody>
-          <a:bodyPr rtlCol="0" anchor="ctr"/>
-          <a:lstStyle/>
-          <a:p>
-            <a:pPr algn="ctr"/>
-            <a:r>
-              <a:rPr lang="en-US" altLang="ko-KR" sz="1200"/>
-              <a:t> Leader</a:t>
-            </a:r>
-          </a:p>
-          <a:p>
-            <a:pPr algn="ctr"/>
-            <a:endParaRPr lang="en-US" altLang="ko-KR" sz="1200"/>
-          </a:p>
-          <a:p>
-            <a:pPr algn="ctr"/>
-            <a:r>
-              <a:rPr lang="en-US" altLang="ko-KR" sz="1200"/>
-              <a:t>Consul Server A</a:t>
-            </a:r>
-          </a:p>
-        </p:txBody>
-      </p:sp>
-      <p:sp>
-        <p:nvSpPr>
-          <p:cNvPr id="15" name="사각형: 둥근 모서리 14">
-            <a:extLst>
-              <a:ext uri="{FF2B5EF4-FFF2-40B4-BE49-F238E27FC236}">
-                <a16:creationId xmlns:a16="http://schemas.microsoft.com/office/drawing/2014/main" id="{79AA07FE-AA08-4CA1-9DEE-ED9A74A991BE}"/>
-              </a:ext>
-            </a:extLst>
-          </p:cNvPr>
-          <p:cNvSpPr/>
-          <p:nvPr/>
-        </p:nvSpPr>
-        <p:spPr>
-          <a:xfrm>
-            <a:off x="979614" y="2865341"/>
-            <a:ext cx="1389412" cy="654979"/>
-          </a:xfrm>
-          <a:prstGeom prst="roundRect">
-            <a:avLst>
-              <a:gd name="adj" fmla="val 7190"/>
-            </a:avLst>
-          </a:prstGeom>
-        </p:spPr>
-        <p:style>
-          <a:lnRef idx="2">
-            <a:schemeClr val="dk1"/>
-          </a:lnRef>
-          <a:fillRef idx="1">
-            <a:schemeClr val="lt1"/>
-          </a:fillRef>
-          <a:effectRef idx="0">
-            <a:schemeClr val="dk1"/>
-          </a:effectRef>
-          <a:fontRef idx="minor">
-            <a:schemeClr val="dk1"/>
-          </a:fontRef>
-        </p:style>
-        <p:txBody>
-          <a:bodyPr rtlCol="0" anchor="ctr"/>
-          <a:lstStyle/>
-          <a:p>
-            <a:pPr algn="ctr"/>
-            <a:r>
-              <a:rPr lang="en-US" altLang="ko-KR" sz="1200"/>
-              <a:t>Follower</a:t>
-            </a:r>
-          </a:p>
-          <a:p>
-            <a:pPr algn="ctr"/>
-            <a:endParaRPr lang="en-US" altLang="ko-KR" sz="1200"/>
-          </a:p>
-          <a:p>
-            <a:pPr algn="ctr"/>
-            <a:r>
-              <a:rPr lang="en-US" altLang="ko-KR" sz="1200"/>
-              <a:t>Consul Server B</a:t>
-            </a:r>
-          </a:p>
-        </p:txBody>
-      </p:sp>
-      <p:sp>
-        <p:nvSpPr>
-          <p:cNvPr id="16" name="사각형: 둥근 모서리 15">
-            <a:extLst>
-              <a:ext uri="{FF2B5EF4-FFF2-40B4-BE49-F238E27FC236}">
-                <a16:creationId xmlns:a16="http://schemas.microsoft.com/office/drawing/2014/main" id="{AE76300F-29A8-482E-92E3-739716721982}"/>
-              </a:ext>
-            </a:extLst>
-          </p:cNvPr>
-          <p:cNvSpPr/>
-          <p:nvPr/>
-        </p:nvSpPr>
-        <p:spPr>
-          <a:xfrm>
-            <a:off x="2831037" y="2865341"/>
-            <a:ext cx="1389412" cy="654979"/>
-          </a:xfrm>
-          <a:prstGeom prst="roundRect">
-            <a:avLst>
-              <a:gd name="adj" fmla="val 7190"/>
-            </a:avLst>
-          </a:prstGeom>
-        </p:spPr>
-        <p:style>
-          <a:lnRef idx="2">
-            <a:schemeClr val="dk1"/>
-          </a:lnRef>
-          <a:fillRef idx="1">
-            <a:schemeClr val="lt1"/>
-          </a:fillRef>
-          <a:effectRef idx="0">
-            <a:schemeClr val="dk1"/>
-          </a:effectRef>
-          <a:fontRef idx="minor">
-            <a:schemeClr val="dk1"/>
-          </a:fontRef>
-        </p:style>
-        <p:txBody>
-          <a:bodyPr rtlCol="0" anchor="ctr"/>
-          <a:lstStyle/>
-          <a:p>
-            <a:pPr algn="ctr"/>
-            <a:r>
-              <a:rPr lang="en-US" altLang="ko-KR" sz="1200"/>
-              <a:t>Follower</a:t>
-            </a:r>
-          </a:p>
-          <a:p>
-            <a:pPr algn="ctr"/>
-            <a:endParaRPr lang="en-US" altLang="ko-KR" sz="1200"/>
-          </a:p>
-          <a:p>
-            <a:pPr algn="ctr"/>
-            <a:r>
-              <a:rPr lang="en-US" altLang="ko-KR" sz="1200"/>
-              <a:t>Consul Server C</a:t>
-            </a:r>
-          </a:p>
-        </p:txBody>
-      </p:sp>
       <p:cxnSp>
         <p:nvCxnSpPr>
           <p:cNvPr id="21" name="직선 화살표 연결선 20">
@@ -3992,8 +3904,8 @@
         </p:nvCxnSpPr>
         <p:spPr>
           <a:xfrm flipV="1">
-            <a:off x="2369026" y="2512430"/>
-            <a:ext cx="234866" cy="680401"/>
+            <a:off x="2369026" y="2746193"/>
+            <a:ext cx="234866" cy="473983"/>
           </a:xfrm>
           <a:prstGeom prst="straightConnector1">
             <a:avLst/>
@@ -4039,8 +3951,8 @@
         </p:nvCxnSpPr>
         <p:spPr>
           <a:xfrm flipH="1" flipV="1">
-            <a:off x="2603892" y="2512430"/>
-            <a:ext cx="227145" cy="680401"/>
+            <a:off x="2603892" y="2746193"/>
+            <a:ext cx="227145" cy="473983"/>
           </a:xfrm>
           <a:prstGeom prst="straightConnector1">
             <a:avLst/>
@@ -4082,8 +3994,8 @@
         </p:nvSpPr>
         <p:spPr>
           <a:xfrm>
-            <a:off x="898908" y="1764119"/>
-            <a:ext cx="3394737" cy="2044234"/>
+            <a:off x="898908" y="2213595"/>
+            <a:ext cx="3394737" cy="1522750"/>
           </a:xfrm>
           <a:prstGeom prst="roundRect">
             <a:avLst>
@@ -4146,8 +4058,8 @@
         </p:nvSpPr>
         <p:spPr>
           <a:xfrm>
-            <a:off x="813663" y="801317"/>
-            <a:ext cx="3580569" cy="3354609"/>
+            <a:off x="813663" y="965223"/>
+            <a:ext cx="3580569" cy="3118696"/>
           </a:xfrm>
           <a:prstGeom prst="roundRect">
             <a:avLst>
@@ -4210,8 +4122,8 @@
         </p:nvSpPr>
         <p:spPr>
           <a:xfrm>
-            <a:off x="724952" y="1669730"/>
-            <a:ext cx="7786048" cy="2776051"/>
+            <a:off x="724952" y="2111376"/>
+            <a:ext cx="7786048" cy="2262397"/>
           </a:xfrm>
           <a:prstGeom prst="roundRect">
             <a:avLst>
@@ -4220,6 +4132,11 @@
           </a:prstGeom>
           <a:noFill/>
           <a:ln>
+            <a:solidFill>
+              <a:schemeClr val="accent3">
+                <a:lumMod val="75000"/>
+              </a:schemeClr>
+            </a:solidFill>
             <a:prstDash val="dash"/>
           </a:ln>
         </p:spPr>
@@ -4242,13 +4159,784 @@
           <a:lstStyle/>
           <a:p>
             <a:r>
+              <a:rPr lang="en-US" altLang="ko-KR" sz="1200">
+                <a:solidFill>
+                  <a:schemeClr val="accent3">
+                    <a:lumMod val="75000"/>
+                  </a:schemeClr>
+                </a:solidFill>
+              </a:rPr>
+              <a:t>WAN gossip Pool</a:t>
+            </a:r>
+            <a:endParaRPr lang="ko-KR" altLang="en-US" sz="1200">
+              <a:solidFill>
+                <a:schemeClr val="accent3">
+                  <a:lumMod val="75000"/>
+                </a:schemeClr>
+              </a:solidFill>
+            </a:endParaRPr>
+          </a:p>
+        </p:txBody>
+      </p:sp>
+      <p:grpSp>
+        <p:nvGrpSpPr>
+          <p:cNvPr id="3" name="그룹 2">
+            <a:extLst>
+              <a:ext uri="{FF2B5EF4-FFF2-40B4-BE49-F238E27FC236}">
+                <a16:creationId xmlns:a16="http://schemas.microsoft.com/office/drawing/2014/main" id="{C013C03A-CD28-444E-9550-44D293727579}"/>
+              </a:ext>
+            </a:extLst>
+          </p:cNvPr>
+          <p:cNvGrpSpPr/>
+          <p:nvPr/>
+        </p:nvGrpSpPr>
+        <p:grpSpPr>
+          <a:xfrm>
+            <a:off x="979614" y="2289920"/>
+            <a:ext cx="7254538" cy="1158392"/>
+            <a:chOff x="979614" y="1857451"/>
+            <a:chExt cx="7254538" cy="1662869"/>
+          </a:xfrm>
+        </p:grpSpPr>
+        <p:sp>
+          <p:nvSpPr>
+            <p:cNvPr id="13" name="사각형: 둥근 모서리 12">
+              <a:extLst>
+                <a:ext uri="{FF2B5EF4-FFF2-40B4-BE49-F238E27FC236}">
+                  <a16:creationId xmlns:a16="http://schemas.microsoft.com/office/drawing/2014/main" id="{78B4F8B2-6CEE-4211-B403-8EDA4BFAACE0}"/>
+                </a:ext>
+              </a:extLst>
+            </p:cNvPr>
+            <p:cNvSpPr/>
+            <p:nvPr/>
+          </p:nvSpPr>
+          <p:spPr>
+            <a:xfrm>
+              <a:off x="1909186" y="1857451"/>
+              <a:ext cx="1389412" cy="654979"/>
+            </a:xfrm>
+            <a:prstGeom prst="roundRect">
+              <a:avLst>
+                <a:gd name="adj" fmla="val 7190"/>
+              </a:avLst>
+            </a:prstGeom>
+          </p:spPr>
+          <p:style>
+            <a:lnRef idx="2">
+              <a:schemeClr val="dk1"/>
+            </a:lnRef>
+            <a:fillRef idx="1">
+              <a:schemeClr val="lt1"/>
+            </a:fillRef>
+            <a:effectRef idx="0">
+              <a:schemeClr val="dk1"/>
+            </a:effectRef>
+            <a:fontRef idx="minor">
+              <a:schemeClr val="dk1"/>
+            </a:fontRef>
+          </p:style>
+          <p:txBody>
+            <a:bodyPr rtlCol="0" anchor="ctr"/>
+            <a:lstStyle/>
+            <a:p>
+              <a:pPr algn="ctr"/>
+              <a:r>
+                <a:rPr lang="en-US" altLang="ko-KR" sz="1200"/>
+                <a:t>Consul Server A</a:t>
+              </a:r>
+            </a:p>
+            <a:p>
+              <a:pPr algn="ctr"/>
+              <a:r>
+                <a:rPr lang="en-US" altLang="ko-KR" sz="1200"/>
+                <a:t>Leader</a:t>
+              </a:r>
+            </a:p>
+          </p:txBody>
+        </p:sp>
+        <p:sp>
+          <p:nvSpPr>
+            <p:cNvPr id="15" name="사각형: 둥근 모서리 14">
+              <a:extLst>
+                <a:ext uri="{FF2B5EF4-FFF2-40B4-BE49-F238E27FC236}">
+                  <a16:creationId xmlns:a16="http://schemas.microsoft.com/office/drawing/2014/main" id="{79AA07FE-AA08-4CA1-9DEE-ED9A74A991BE}"/>
+                </a:ext>
+              </a:extLst>
+            </p:cNvPr>
+            <p:cNvSpPr/>
+            <p:nvPr/>
+          </p:nvSpPr>
+          <p:spPr>
+            <a:xfrm>
+              <a:off x="979614" y="2865341"/>
+              <a:ext cx="1389412" cy="654979"/>
+            </a:xfrm>
+            <a:prstGeom prst="roundRect">
+              <a:avLst>
+                <a:gd name="adj" fmla="val 7190"/>
+              </a:avLst>
+            </a:prstGeom>
+          </p:spPr>
+          <p:style>
+            <a:lnRef idx="2">
+              <a:schemeClr val="dk1"/>
+            </a:lnRef>
+            <a:fillRef idx="1">
+              <a:schemeClr val="lt1"/>
+            </a:fillRef>
+            <a:effectRef idx="0">
+              <a:schemeClr val="dk1"/>
+            </a:effectRef>
+            <a:fontRef idx="minor">
+              <a:schemeClr val="dk1"/>
+            </a:fontRef>
+          </p:style>
+          <p:txBody>
+            <a:bodyPr rtlCol="0" anchor="ctr"/>
+            <a:lstStyle/>
+            <a:p>
+              <a:pPr algn="ctr"/>
+              <a:r>
+                <a:rPr lang="en-US" altLang="ko-KR" sz="1200"/>
+                <a:t>Consul Server B</a:t>
+              </a:r>
+            </a:p>
+            <a:p>
+              <a:pPr algn="ctr"/>
+              <a:r>
+                <a:rPr lang="en-US" altLang="ko-KR" sz="1200"/>
+                <a:t>Follower</a:t>
+              </a:r>
+            </a:p>
+          </p:txBody>
+        </p:sp>
+        <p:sp>
+          <p:nvSpPr>
+            <p:cNvPr id="16" name="사각형: 둥근 모서리 15">
+              <a:extLst>
+                <a:ext uri="{FF2B5EF4-FFF2-40B4-BE49-F238E27FC236}">
+                  <a16:creationId xmlns:a16="http://schemas.microsoft.com/office/drawing/2014/main" id="{AE76300F-29A8-482E-92E3-739716721982}"/>
+                </a:ext>
+              </a:extLst>
+            </p:cNvPr>
+            <p:cNvSpPr/>
+            <p:nvPr/>
+          </p:nvSpPr>
+          <p:spPr>
+            <a:xfrm>
+              <a:off x="2831037" y="2865341"/>
+              <a:ext cx="1389412" cy="654979"/>
+            </a:xfrm>
+            <a:prstGeom prst="roundRect">
+              <a:avLst>
+                <a:gd name="adj" fmla="val 7190"/>
+              </a:avLst>
+            </a:prstGeom>
+          </p:spPr>
+          <p:style>
+            <a:lnRef idx="2">
+              <a:schemeClr val="dk1"/>
+            </a:lnRef>
+            <a:fillRef idx="1">
+              <a:schemeClr val="lt1"/>
+            </a:fillRef>
+            <a:effectRef idx="0">
+              <a:schemeClr val="dk1"/>
+            </a:effectRef>
+            <a:fontRef idx="minor">
+              <a:schemeClr val="dk1"/>
+            </a:fontRef>
+          </p:style>
+          <p:txBody>
+            <a:bodyPr rtlCol="0" anchor="ctr"/>
+            <a:lstStyle/>
+            <a:p>
+              <a:pPr algn="ctr"/>
+              <a:r>
+                <a:rPr lang="en-US" altLang="ko-KR" sz="1200"/>
+                <a:t>Consul Server C</a:t>
+              </a:r>
+            </a:p>
+            <a:p>
+              <a:pPr algn="ctr"/>
+              <a:r>
+                <a:rPr lang="en-US" altLang="ko-KR" sz="1200"/>
+                <a:t>Follower</a:t>
+              </a:r>
+            </a:p>
+          </p:txBody>
+        </p:sp>
+        <p:sp>
+          <p:nvSpPr>
+            <p:cNvPr id="103" name="사각형: 둥근 모서리 102">
+              <a:extLst>
+                <a:ext uri="{FF2B5EF4-FFF2-40B4-BE49-F238E27FC236}">
+                  <a16:creationId xmlns:a16="http://schemas.microsoft.com/office/drawing/2014/main" id="{DE9840BB-25AD-4241-8A7A-CF202546364B}"/>
+                </a:ext>
+              </a:extLst>
+            </p:cNvPr>
+            <p:cNvSpPr/>
+            <p:nvPr/>
+          </p:nvSpPr>
+          <p:spPr>
+            <a:xfrm>
+              <a:off x="5922889" y="1857451"/>
+              <a:ext cx="1389412" cy="654979"/>
+            </a:xfrm>
+            <a:prstGeom prst="roundRect">
+              <a:avLst>
+                <a:gd name="adj" fmla="val 7190"/>
+              </a:avLst>
+            </a:prstGeom>
+          </p:spPr>
+          <p:style>
+            <a:lnRef idx="2">
+              <a:schemeClr val="dk1"/>
+            </a:lnRef>
+            <a:fillRef idx="1">
+              <a:schemeClr val="lt1"/>
+            </a:fillRef>
+            <a:effectRef idx="0">
+              <a:schemeClr val="dk1"/>
+            </a:effectRef>
+            <a:fontRef idx="minor">
+              <a:schemeClr val="dk1"/>
+            </a:fontRef>
+          </p:style>
+          <p:txBody>
+            <a:bodyPr rtlCol="0" anchor="ctr"/>
+            <a:lstStyle/>
+            <a:p>
+              <a:pPr algn="ctr"/>
+              <a:r>
+                <a:rPr lang="en-US" altLang="ko-KR" sz="1200"/>
+                <a:t>Consul Server D</a:t>
+              </a:r>
+            </a:p>
+            <a:p>
+              <a:pPr algn="ctr"/>
+              <a:r>
+                <a:rPr lang="en-US" altLang="ko-KR" sz="1200"/>
+                <a:t>Leader</a:t>
+              </a:r>
+            </a:p>
+          </p:txBody>
+        </p:sp>
+        <p:sp>
+          <p:nvSpPr>
+            <p:cNvPr id="104" name="사각형: 둥근 모서리 103">
+              <a:extLst>
+                <a:ext uri="{FF2B5EF4-FFF2-40B4-BE49-F238E27FC236}">
+                  <a16:creationId xmlns:a16="http://schemas.microsoft.com/office/drawing/2014/main" id="{773123AF-9D51-42BA-A578-A22B06004951}"/>
+                </a:ext>
+              </a:extLst>
+            </p:cNvPr>
+            <p:cNvSpPr/>
+            <p:nvPr/>
+          </p:nvSpPr>
+          <p:spPr>
+            <a:xfrm>
+              <a:off x="4993317" y="2865341"/>
+              <a:ext cx="1389412" cy="654979"/>
+            </a:xfrm>
+            <a:prstGeom prst="roundRect">
+              <a:avLst>
+                <a:gd name="adj" fmla="val 7190"/>
+              </a:avLst>
+            </a:prstGeom>
+          </p:spPr>
+          <p:style>
+            <a:lnRef idx="2">
+              <a:schemeClr val="dk1"/>
+            </a:lnRef>
+            <a:fillRef idx="1">
+              <a:schemeClr val="lt1"/>
+            </a:fillRef>
+            <a:effectRef idx="0">
+              <a:schemeClr val="dk1"/>
+            </a:effectRef>
+            <a:fontRef idx="minor">
+              <a:schemeClr val="dk1"/>
+            </a:fontRef>
+          </p:style>
+          <p:txBody>
+            <a:bodyPr rtlCol="0" anchor="ctr"/>
+            <a:lstStyle/>
+            <a:p>
+              <a:pPr algn="ctr"/>
+              <a:r>
+                <a:rPr lang="en-US" altLang="ko-KR" sz="1200"/>
+                <a:t>Consul Server E</a:t>
+              </a:r>
+            </a:p>
+            <a:p>
+              <a:pPr algn="ctr"/>
+              <a:r>
+                <a:rPr lang="en-US" altLang="ko-KR" sz="1200"/>
+                <a:t>Follower</a:t>
+              </a:r>
+            </a:p>
+          </p:txBody>
+        </p:sp>
+        <p:sp>
+          <p:nvSpPr>
+            <p:cNvPr id="105" name="사각형: 둥근 모서리 104">
+              <a:extLst>
+                <a:ext uri="{FF2B5EF4-FFF2-40B4-BE49-F238E27FC236}">
+                  <a16:creationId xmlns:a16="http://schemas.microsoft.com/office/drawing/2014/main" id="{6B6EA513-A57B-43DE-A447-1BFF87B99D99}"/>
+                </a:ext>
+              </a:extLst>
+            </p:cNvPr>
+            <p:cNvSpPr/>
+            <p:nvPr/>
+          </p:nvSpPr>
+          <p:spPr>
+            <a:xfrm>
+              <a:off x="6844740" y="2865341"/>
+              <a:ext cx="1389412" cy="654979"/>
+            </a:xfrm>
+            <a:prstGeom prst="roundRect">
+              <a:avLst>
+                <a:gd name="adj" fmla="val 7190"/>
+              </a:avLst>
+            </a:prstGeom>
+          </p:spPr>
+          <p:style>
+            <a:lnRef idx="2">
+              <a:schemeClr val="dk1"/>
+            </a:lnRef>
+            <a:fillRef idx="1">
+              <a:schemeClr val="lt1"/>
+            </a:fillRef>
+            <a:effectRef idx="0">
+              <a:schemeClr val="dk1"/>
+            </a:effectRef>
+            <a:fontRef idx="minor">
+              <a:schemeClr val="dk1"/>
+            </a:fontRef>
+          </p:style>
+          <p:txBody>
+            <a:bodyPr rtlCol="0" anchor="ctr"/>
+            <a:lstStyle/>
+            <a:p>
+              <a:pPr algn="ctr"/>
+              <a:r>
+                <a:rPr lang="en-US" altLang="ko-KR" sz="1200"/>
+                <a:t>Consul Server F</a:t>
+              </a:r>
+            </a:p>
+            <a:p>
+              <a:pPr algn="ctr"/>
+              <a:r>
+                <a:rPr lang="en-US" altLang="ko-KR" sz="1200"/>
+                <a:t>Follower</a:t>
+              </a:r>
+            </a:p>
+          </p:txBody>
+        </p:sp>
+      </p:grpSp>
+      <p:cxnSp>
+        <p:nvCxnSpPr>
+          <p:cNvPr id="108" name="직선 화살표 연결선 107">
+            <a:extLst>
+              <a:ext uri="{FF2B5EF4-FFF2-40B4-BE49-F238E27FC236}">
+                <a16:creationId xmlns:a16="http://schemas.microsoft.com/office/drawing/2014/main" id="{99C28A46-464D-4146-B5C7-353B3373876B}"/>
+              </a:ext>
+            </a:extLst>
+          </p:cNvPr>
+          <p:cNvCxnSpPr>
+            <a:cxnSpLocks/>
+            <a:stCxn id="104" idx="3"/>
+            <a:endCxn id="103" idx="2"/>
+          </p:cNvCxnSpPr>
+          <p:nvPr/>
+        </p:nvCxnSpPr>
+        <p:spPr>
+          <a:xfrm flipV="1">
+            <a:off x="6382729" y="2746193"/>
+            <a:ext cx="234866" cy="473983"/>
+          </a:xfrm>
+          <a:prstGeom prst="straightConnector1">
+            <a:avLst/>
+          </a:prstGeom>
+          <a:ln w="28575">
+            <a:solidFill>
+              <a:srgbClr val="C00000"/>
+            </a:solidFill>
+            <a:headEnd type="none" w="med" len="med"/>
+            <a:tailEnd type="arrow" w="med" len="med"/>
+          </a:ln>
+        </p:spPr>
+        <p:style>
+          <a:lnRef idx="1">
+            <a:schemeClr val="accent1"/>
+          </a:lnRef>
+          <a:fillRef idx="0">
+            <a:schemeClr val="accent1"/>
+          </a:fillRef>
+          <a:effectRef idx="0">
+            <a:schemeClr val="accent1"/>
+          </a:effectRef>
+          <a:fontRef idx="minor">
+            <a:schemeClr val="tx1"/>
+          </a:fontRef>
+        </p:style>
+      </p:cxnSp>
+      <p:sp>
+        <p:nvSpPr>
+          <p:cNvPr id="110" name="사각형: 둥근 모서리 109">
+            <a:extLst>
+              <a:ext uri="{FF2B5EF4-FFF2-40B4-BE49-F238E27FC236}">
+                <a16:creationId xmlns:a16="http://schemas.microsoft.com/office/drawing/2014/main" id="{D9FE1B58-6143-43D0-AAD0-4200C783A259}"/>
+              </a:ext>
+            </a:extLst>
+          </p:cNvPr>
+          <p:cNvSpPr/>
+          <p:nvPr/>
+        </p:nvSpPr>
+        <p:spPr>
+          <a:xfrm>
+            <a:off x="4912611" y="2213595"/>
+            <a:ext cx="3394737" cy="1522750"/>
+          </a:xfrm>
+          <a:prstGeom prst="roundRect">
+            <a:avLst>
+              <a:gd name="adj" fmla="val 3943"/>
+            </a:avLst>
+          </a:prstGeom>
+          <a:noFill/>
+          <a:ln>
+            <a:solidFill>
+              <a:schemeClr val="tx2"/>
+            </a:solidFill>
+            <a:prstDash val="dash"/>
+          </a:ln>
+        </p:spPr>
+        <p:style>
+          <a:lnRef idx="2">
+            <a:schemeClr val="dk1"/>
+          </a:lnRef>
+          <a:fillRef idx="1">
+            <a:schemeClr val="lt1"/>
+          </a:fillRef>
+          <a:effectRef idx="0">
+            <a:schemeClr val="dk1"/>
+          </a:effectRef>
+          <a:fontRef idx="minor">
+            <a:schemeClr val="dk1"/>
+          </a:fontRef>
+        </p:style>
+        <p:txBody>
+          <a:bodyPr rtlCol="0" anchor="b"/>
+          <a:lstStyle/>
+          <a:p>
+            <a:r>
+              <a:rPr lang="en-US" altLang="ko-KR" sz="1200">
+                <a:solidFill>
+                  <a:schemeClr val="tx2"/>
+                </a:solidFill>
+              </a:rPr>
+              <a:t>Raft Algorithm</a:t>
+            </a:r>
+            <a:endParaRPr lang="ko-KR" altLang="en-US" sz="1200">
+              <a:solidFill>
+                <a:schemeClr val="tx2"/>
+              </a:solidFill>
+            </a:endParaRPr>
+          </a:p>
+        </p:txBody>
+      </p:sp>
+      <p:sp>
+        <p:nvSpPr>
+          <p:cNvPr id="111" name="사각형: 둥근 모서리 110">
+            <a:extLst>
+              <a:ext uri="{FF2B5EF4-FFF2-40B4-BE49-F238E27FC236}">
+                <a16:creationId xmlns:a16="http://schemas.microsoft.com/office/drawing/2014/main" id="{BBF70E94-E291-431F-982C-1F493F386D09}"/>
+              </a:ext>
+            </a:extLst>
+          </p:cNvPr>
+          <p:cNvSpPr/>
+          <p:nvPr/>
+        </p:nvSpPr>
+        <p:spPr>
+          <a:xfrm>
+            <a:off x="4827366" y="965223"/>
+            <a:ext cx="3580569" cy="3118695"/>
+          </a:xfrm>
+          <a:prstGeom prst="roundRect">
+            <a:avLst>
+              <a:gd name="adj" fmla="val 4106"/>
+            </a:avLst>
+          </a:prstGeom>
+          <a:noFill/>
+          <a:ln>
+            <a:solidFill>
+              <a:srgbClr val="C00000"/>
+            </a:solidFill>
+            <a:prstDash val="dash"/>
+          </a:ln>
+        </p:spPr>
+        <p:style>
+          <a:lnRef idx="2">
+            <a:schemeClr val="dk1"/>
+          </a:lnRef>
+          <a:fillRef idx="1">
+            <a:schemeClr val="lt1"/>
+          </a:fillRef>
+          <a:effectRef idx="0">
+            <a:schemeClr val="dk1"/>
+          </a:effectRef>
+          <a:fontRef idx="minor">
+            <a:schemeClr val="dk1"/>
+          </a:fontRef>
+        </p:style>
+        <p:txBody>
+          <a:bodyPr rtlCol="0" anchor="b"/>
+          <a:lstStyle/>
+          <a:p>
+            <a:r>
+              <a:rPr lang="en-US" altLang="ko-KR" sz="1200">
+                <a:solidFill>
+                  <a:srgbClr val="C00000"/>
+                </a:solidFill>
+              </a:rPr>
+              <a:t>LAN gossip Pool</a:t>
+            </a:r>
+            <a:endParaRPr lang="ko-KR" altLang="en-US" sz="1200">
+              <a:solidFill>
+                <a:srgbClr val="C00000"/>
+              </a:solidFill>
+            </a:endParaRPr>
+          </a:p>
+        </p:txBody>
+      </p:sp>
+      <p:sp>
+        <p:nvSpPr>
+          <p:cNvPr id="114" name="사각형: 둥근 모서리 113">
+            <a:extLst>
+              <a:ext uri="{FF2B5EF4-FFF2-40B4-BE49-F238E27FC236}">
+                <a16:creationId xmlns:a16="http://schemas.microsoft.com/office/drawing/2014/main" id="{E3F48E04-8333-44EE-823D-802006443B42}"/>
+              </a:ext>
+            </a:extLst>
+          </p:cNvPr>
+          <p:cNvSpPr/>
+          <p:nvPr/>
+        </p:nvSpPr>
+        <p:spPr>
+          <a:xfrm>
+            <a:off x="4713555" y="143300"/>
+            <a:ext cx="3888218" cy="4588689"/>
+          </a:xfrm>
+          <a:prstGeom prst="roundRect">
+            <a:avLst>
+              <a:gd name="adj" fmla="val 3131"/>
+            </a:avLst>
+          </a:prstGeom>
+          <a:noFill/>
+        </p:spPr>
+        <p:style>
+          <a:lnRef idx="2">
+            <a:schemeClr val="dk1"/>
+          </a:lnRef>
+          <a:fillRef idx="1">
+            <a:schemeClr val="lt1"/>
+          </a:fillRef>
+          <a:effectRef idx="0">
+            <a:schemeClr val="dk1"/>
+          </a:effectRef>
+          <a:fontRef idx="minor">
+            <a:schemeClr val="dk1"/>
+          </a:fontRef>
+        </p:style>
+        <p:txBody>
+          <a:bodyPr rtlCol="0" anchor="b"/>
+          <a:lstStyle/>
+          <a:p>
+            <a:pPr algn="ctr"/>
+            <a:r>
+              <a:rPr lang="en-US" altLang="ko-KR" sz="1400"/>
+              <a:t>Data Center B</a:t>
+            </a:r>
+            <a:endParaRPr lang="ko-KR" altLang="en-US" sz="1400"/>
+          </a:p>
+        </p:txBody>
+      </p:sp>
+      <p:cxnSp>
+        <p:nvCxnSpPr>
+          <p:cNvPr id="115" name="직선 화살표 연결선 114">
+            <a:extLst>
+              <a:ext uri="{FF2B5EF4-FFF2-40B4-BE49-F238E27FC236}">
+                <a16:creationId xmlns:a16="http://schemas.microsoft.com/office/drawing/2014/main" id="{03458614-EB45-4E5E-8614-DA754736DF17}"/>
+              </a:ext>
+            </a:extLst>
+          </p:cNvPr>
+          <p:cNvCxnSpPr>
+            <a:cxnSpLocks/>
+            <a:stCxn id="13" idx="3"/>
+            <a:endCxn id="103" idx="1"/>
+          </p:cNvCxnSpPr>
+          <p:nvPr/>
+        </p:nvCxnSpPr>
+        <p:spPr>
+          <a:xfrm>
+            <a:off x="3298598" y="2518057"/>
+            <a:ext cx="2624291" cy="0"/>
+          </a:xfrm>
+          <a:prstGeom prst="straightConnector1">
+            <a:avLst/>
+          </a:prstGeom>
+          <a:ln w="28575">
+            <a:solidFill>
+              <a:srgbClr val="C00000"/>
+            </a:solidFill>
+            <a:headEnd type="none" w="med" len="med"/>
+            <a:tailEnd type="arrow" w="med" len="med"/>
+          </a:ln>
+        </p:spPr>
+        <p:style>
+          <a:lnRef idx="1">
+            <a:schemeClr val="accent1"/>
+          </a:lnRef>
+          <a:fillRef idx="0">
+            <a:schemeClr val="accent1"/>
+          </a:fillRef>
+          <a:effectRef idx="0">
+            <a:schemeClr val="accent1"/>
+          </a:effectRef>
+          <a:fontRef idx="minor">
+            <a:schemeClr val="tx1"/>
+          </a:fontRef>
+        </p:style>
+      </p:cxnSp>
+      <p:cxnSp>
+        <p:nvCxnSpPr>
+          <p:cNvPr id="118" name="직선 화살표 연결선 117">
+            <a:extLst>
+              <a:ext uri="{FF2B5EF4-FFF2-40B4-BE49-F238E27FC236}">
+                <a16:creationId xmlns:a16="http://schemas.microsoft.com/office/drawing/2014/main" id="{AF2FCA72-A149-468C-BAC0-F7CB3D69FA4C}"/>
+              </a:ext>
+            </a:extLst>
+          </p:cNvPr>
+          <p:cNvCxnSpPr>
+            <a:cxnSpLocks/>
+            <a:stCxn id="16" idx="3"/>
+            <a:endCxn id="104" idx="1"/>
+          </p:cNvCxnSpPr>
+          <p:nvPr/>
+        </p:nvCxnSpPr>
+        <p:spPr>
+          <a:xfrm>
+            <a:off x="4220449" y="3220176"/>
+            <a:ext cx="772868" cy="0"/>
+          </a:xfrm>
+          <a:prstGeom prst="straightConnector1">
+            <a:avLst/>
+          </a:prstGeom>
+          <a:ln w="28575">
+            <a:solidFill>
+              <a:srgbClr val="C00000"/>
+            </a:solidFill>
+            <a:headEnd type="none" w="med" len="med"/>
+            <a:tailEnd type="arrow" w="med" len="med"/>
+          </a:ln>
+        </p:spPr>
+        <p:style>
+          <a:lnRef idx="1">
+            <a:schemeClr val="accent1"/>
+          </a:lnRef>
+          <a:fillRef idx="0">
+            <a:schemeClr val="accent1"/>
+          </a:fillRef>
+          <a:effectRef idx="0">
+            <a:schemeClr val="accent1"/>
+          </a:effectRef>
+          <a:fontRef idx="minor">
+            <a:schemeClr val="tx1"/>
+          </a:fontRef>
+        </p:style>
+      </p:cxnSp>
+      <p:sp>
+        <p:nvSpPr>
+          <p:cNvPr id="137" name="TextBox 136">
+            <a:extLst>
+              <a:ext uri="{FF2B5EF4-FFF2-40B4-BE49-F238E27FC236}">
+                <a16:creationId xmlns:a16="http://schemas.microsoft.com/office/drawing/2014/main" id="{7D0C8947-B921-4BEB-8ACF-7005FED2B0ED}"/>
+              </a:ext>
+            </a:extLst>
+          </p:cNvPr>
+          <p:cNvSpPr txBox="1"/>
+          <p:nvPr/>
+        </p:nvSpPr>
+        <p:spPr>
+          <a:xfrm>
+            <a:off x="3944040" y="4776321"/>
+            <a:ext cx="3071410" cy="276999"/>
+          </a:xfrm>
+          <a:prstGeom prst="rect">
+            <a:avLst/>
+          </a:prstGeom>
+          <a:noFill/>
+        </p:spPr>
+        <p:txBody>
+          <a:bodyPr wrap="square" rtlCol="0">
+            <a:spAutoFit/>
+          </a:bodyPr>
+          <a:lstStyle/>
+          <a:p>
+            <a:r>
               <a:rPr lang="en-US" altLang="ko-KR" sz="1200"/>
-              <a:t>WAN gossip Pool</a:t>
-            </a:r>
-            <a:endParaRPr lang="ko-KR" altLang="en-US" sz="1200"/>
-          </a:p>
-        </p:txBody>
-      </p:sp>
+              <a:t>Client Request to Remote Consul Server</a:t>
+            </a:r>
+          </a:p>
+        </p:txBody>
+      </p:sp>
+      <p:cxnSp>
+        <p:nvCxnSpPr>
+          <p:cNvPr id="138" name="직선 화살표 연결선 137">
+            <a:extLst>
+              <a:ext uri="{FF2B5EF4-FFF2-40B4-BE49-F238E27FC236}">
+                <a16:creationId xmlns:a16="http://schemas.microsoft.com/office/drawing/2014/main" id="{B3990640-820E-4F2E-954B-3123883D6F43}"/>
+              </a:ext>
+            </a:extLst>
+          </p:cNvPr>
+          <p:cNvCxnSpPr>
+            <a:cxnSpLocks/>
+            <a:stCxn id="35" idx="3"/>
+            <a:endCxn id="137" idx="1"/>
+          </p:cNvCxnSpPr>
+          <p:nvPr/>
+        </p:nvCxnSpPr>
+        <p:spPr>
+          <a:xfrm>
+            <a:off x="3713583" y="4911182"/>
+            <a:ext cx="230457" cy="3639"/>
+          </a:xfrm>
+          <a:prstGeom prst="straightConnector1">
+            <a:avLst/>
+          </a:prstGeom>
+          <a:ln w="28575">
+            <a:solidFill>
+              <a:srgbClr val="C00000"/>
+            </a:solidFill>
+            <a:headEnd type="none" w="med" len="med"/>
+            <a:tailEnd type="arrow" w="med" len="med"/>
+          </a:ln>
+        </p:spPr>
+        <p:style>
+          <a:lnRef idx="1">
+            <a:schemeClr val="accent1"/>
+          </a:lnRef>
+          <a:fillRef idx="0">
+            <a:schemeClr val="accent1"/>
+          </a:fillRef>
+          <a:effectRef idx="0">
+            <a:schemeClr val="accent1"/>
+          </a:effectRef>
+          <a:fontRef idx="minor">
+            <a:schemeClr val="tx1"/>
+          </a:fontRef>
+        </p:style>
+      </p:cxnSp>
       <p:cxnSp>
         <p:nvCxnSpPr>
           <p:cNvPr id="22" name="직선 화살표 연결선 21">
@@ -4267,8 +4955,8 @@
         </p:nvCxnSpPr>
         <p:spPr>
           <a:xfrm>
-            <a:off x="2603892" y="1493515"/>
-            <a:ext cx="921851" cy="1371826"/>
+            <a:off x="1593613" y="1810549"/>
+            <a:ext cx="1932130" cy="1181490"/>
           </a:xfrm>
           <a:prstGeom prst="straightConnector1">
             <a:avLst/>
@@ -4313,9 +5001,9 @@
           <p:nvPr/>
         </p:nvCxnSpPr>
         <p:spPr>
-          <a:xfrm flipH="1">
-            <a:off x="1674320" y="1493515"/>
-            <a:ext cx="929572" cy="1371826"/>
+          <a:xfrm>
+            <a:off x="1593613" y="1810549"/>
+            <a:ext cx="80707" cy="1181490"/>
           </a:xfrm>
           <a:prstGeom prst="straightConnector1">
             <a:avLst/>
@@ -4345,10 +5033,10 @@
       </p:cxnSp>
       <p:sp>
         <p:nvSpPr>
-          <p:cNvPr id="100" name="사각형: 둥근 모서리 99">
+          <p:cNvPr id="41" name="사각형: 둥근 모서리 40">
             <a:extLst>
               <a:ext uri="{FF2B5EF4-FFF2-40B4-BE49-F238E27FC236}">
-                <a16:creationId xmlns:a16="http://schemas.microsoft.com/office/drawing/2014/main" id="{663A6FAF-1425-4418-802F-3BD925B61239}"/>
+                <a16:creationId xmlns:a16="http://schemas.microsoft.com/office/drawing/2014/main" id="{29B2447C-2C6E-43B1-B349-2EC6E350A496}"/>
               </a:ext>
             </a:extLst>
           </p:cNvPr>
@@ -4357,8 +5045,115 @@
         </p:nvSpPr>
         <p:spPr>
           <a:xfrm>
-            <a:off x="5922890" y="886564"/>
-            <a:ext cx="1389410" cy="689869"/>
+            <a:off x="770929" y="264965"/>
+            <a:ext cx="1640832" cy="1735100"/>
+          </a:xfrm>
+          <a:prstGeom prst="roundRect">
+            <a:avLst>
+              <a:gd name="adj" fmla="val 4073"/>
+            </a:avLst>
+          </a:prstGeom>
+          <a:noFill/>
+        </p:spPr>
+        <p:style>
+          <a:lnRef idx="2">
+            <a:schemeClr val="dk1"/>
+          </a:lnRef>
+          <a:fillRef idx="1">
+            <a:schemeClr val="lt1"/>
+          </a:fillRef>
+          <a:effectRef idx="0">
+            <a:schemeClr val="dk1"/>
+          </a:effectRef>
+          <a:fontRef idx="minor">
+            <a:schemeClr val="dk1"/>
+          </a:fontRef>
+        </p:style>
+        <p:txBody>
+          <a:bodyPr rtlCol="0" anchor="t"/>
+          <a:lstStyle/>
+          <a:p>
+            <a:pPr algn="ctr"/>
+            <a:r>
+              <a:rPr lang="en-US" altLang="ko-KR" sz="1200"/>
+              <a:t>Node</a:t>
+            </a:r>
+            <a:r>
+              <a:rPr lang="ko-KR" altLang="en-US" sz="1200"/>
+              <a:t> </a:t>
+            </a:r>
+            <a:r>
+              <a:rPr lang="en-US" altLang="ko-KR" sz="1200"/>
+              <a:t>A</a:t>
+            </a:r>
+          </a:p>
+        </p:txBody>
+      </p:sp>
+      <p:sp>
+        <p:nvSpPr>
+          <p:cNvPr id="48" name="사각형: 둥근 모서리 47">
+            <a:extLst>
+              <a:ext uri="{FF2B5EF4-FFF2-40B4-BE49-F238E27FC236}">
+                <a16:creationId xmlns:a16="http://schemas.microsoft.com/office/drawing/2014/main" id="{D1318A1D-6954-4F9B-BC23-601AE7FE46F9}"/>
+              </a:ext>
+            </a:extLst>
+          </p:cNvPr>
+          <p:cNvSpPr/>
+          <p:nvPr/>
+        </p:nvSpPr>
+        <p:spPr>
+          <a:xfrm>
+            <a:off x="898908" y="583445"/>
+            <a:ext cx="1389410" cy="289856"/>
+          </a:xfrm>
+          <a:prstGeom prst="roundRect">
+            <a:avLst>
+              <a:gd name="adj" fmla="val 8899"/>
+            </a:avLst>
+          </a:prstGeom>
+        </p:spPr>
+        <p:style>
+          <a:lnRef idx="2">
+            <a:schemeClr val="dk1"/>
+          </a:lnRef>
+          <a:fillRef idx="1">
+            <a:schemeClr val="lt1"/>
+          </a:fillRef>
+          <a:effectRef idx="0">
+            <a:schemeClr val="dk1"/>
+          </a:effectRef>
+          <a:fontRef idx="minor">
+            <a:schemeClr val="dk1"/>
+          </a:fontRef>
+        </p:style>
+        <p:txBody>
+          <a:bodyPr rtlCol="0" anchor="ctr"/>
+          <a:lstStyle/>
+          <a:p>
+            <a:pPr algn="ctr"/>
+            <a:r>
+              <a:rPr lang="en-US" altLang="ko-KR" sz="1200"/>
+              <a:t>Service</a:t>
+            </a:r>
+          </a:p>
+        </p:txBody>
+      </p:sp>
+      <p:sp>
+        <p:nvSpPr>
+          <p:cNvPr id="59" name="사각형: 둥근 모서리 58">
+            <a:extLst>
+              <a:ext uri="{FF2B5EF4-FFF2-40B4-BE49-F238E27FC236}">
+                <a16:creationId xmlns:a16="http://schemas.microsoft.com/office/drawing/2014/main" id="{23ED28F6-6391-4A5A-AE04-21ED04C6AA3A}"/>
+              </a:ext>
+            </a:extLst>
+          </p:cNvPr>
+          <p:cNvSpPr/>
+          <p:nvPr/>
+        </p:nvSpPr>
+        <p:spPr>
+          <a:xfrm>
+            <a:off x="2774605" y="1046992"/>
+            <a:ext cx="1389410" cy="846475"/>
           </a:xfrm>
           <a:prstGeom prst="roundRect">
             <a:avLst>
@@ -4387,17 +5182,24 @@
             <a:pPr algn="ctr"/>
             <a:r>
               <a:rPr lang="en-US" altLang="ko-KR" sz="1200"/>
-              <a:t>Consul Client B</a:t>
-            </a:r>
-          </a:p>
-        </p:txBody>
-      </p:sp>
-      <p:sp>
-        <p:nvSpPr>
-          <p:cNvPr id="101" name="사각형: 둥근 모서리 100">
+              <a:t>Consul Client</a:t>
+            </a:r>
+          </a:p>
+          <a:p>
+            <a:pPr algn="ctr"/>
+            <a:r>
+              <a:rPr lang="en-US" altLang="ko-KR" sz="1200"/>
+              <a:t>Node B</a:t>
+            </a:r>
+          </a:p>
+        </p:txBody>
+      </p:sp>
+      <p:sp>
+        <p:nvSpPr>
+          <p:cNvPr id="60" name="사각형: 둥근 모서리 59">
             <a:extLst>
               <a:ext uri="{FF2B5EF4-FFF2-40B4-BE49-F238E27FC236}">
-                <a16:creationId xmlns:a16="http://schemas.microsoft.com/office/drawing/2014/main" id="{76F52EA0-6C76-498F-9FD9-E615C33737AB}"/>
+                <a16:creationId xmlns:a16="http://schemas.microsoft.com/office/drawing/2014/main" id="{545125F8-FC87-42CF-AB59-59CE0C23C943}"/>
               </a:ext>
             </a:extLst>
           </p:cNvPr>
@@ -4406,7 +5208,7 @@
         </p:nvSpPr>
         <p:spPr>
           <a:xfrm>
-            <a:off x="6067187" y="1203659"/>
+            <a:off x="2918902" y="1520693"/>
             <a:ext cx="1100816" cy="289856"/>
           </a:xfrm>
           <a:prstGeom prst="roundRect">
@@ -4443,10 +5245,10 @@
       </p:sp>
       <p:sp>
         <p:nvSpPr>
-          <p:cNvPr id="103" name="사각형: 둥근 모서리 102">
+          <p:cNvPr id="61" name="사각형: 둥근 모서리 60">
             <a:extLst>
               <a:ext uri="{FF2B5EF4-FFF2-40B4-BE49-F238E27FC236}">
-                <a16:creationId xmlns:a16="http://schemas.microsoft.com/office/drawing/2014/main" id="{DE9840BB-25AD-4241-8A7A-CF202546364B}"/>
+                <a16:creationId xmlns:a16="http://schemas.microsoft.com/office/drawing/2014/main" id="{A8D315B4-B696-414D-8B67-A43A1864E842}"/>
               </a:ext>
             </a:extLst>
           </p:cNvPr>
@@ -4455,14 +5257,15 @@
         </p:nvSpPr>
         <p:spPr>
           <a:xfrm>
-            <a:off x="5922889" y="1857451"/>
-            <a:ext cx="1389412" cy="654979"/>
+            <a:off x="2646626" y="264965"/>
+            <a:ext cx="1640832" cy="1735100"/>
           </a:xfrm>
           <a:prstGeom prst="roundRect">
             <a:avLst>
-              <a:gd name="adj" fmla="val 7190"/>
+              <a:gd name="adj" fmla="val 4073"/>
             </a:avLst>
           </a:prstGeom>
+          <a:noFill/>
         </p:spPr>
         <p:style>
           <a:lnRef idx="2">
@@ -4479,34 +5282,31 @@
           </a:fontRef>
         </p:style>
         <p:txBody>
-          <a:bodyPr rtlCol="0" anchor="ctr"/>
+          <a:bodyPr rtlCol="0" anchor="t"/>
           <a:lstStyle/>
           <a:p>
             <a:pPr algn="ctr"/>
             <a:r>
               <a:rPr lang="en-US" altLang="ko-KR" sz="1200"/>
-              <a:t> Leader</a:t>
-            </a:r>
-          </a:p>
-          <a:p>
-            <a:pPr algn="ctr"/>
-            <a:endParaRPr lang="en-US" altLang="ko-KR" sz="1200"/>
-          </a:p>
-          <a:p>
-            <a:pPr algn="ctr"/>
+              <a:t>Node</a:t>
+            </a:r>
+            <a:r>
+              <a:rPr lang="ko-KR" altLang="en-US" sz="1200"/>
+              <a:t> </a:t>
+            </a:r>
             <a:r>
               <a:rPr lang="en-US" altLang="ko-KR" sz="1200"/>
-              <a:t>Consul Server D</a:t>
-            </a:r>
-          </a:p>
-        </p:txBody>
-      </p:sp>
-      <p:sp>
-        <p:nvSpPr>
-          <p:cNvPr id="104" name="사각형: 둥근 모서리 103">
+              <a:t>B</a:t>
+            </a:r>
+          </a:p>
+        </p:txBody>
+      </p:sp>
+      <p:sp>
+        <p:nvSpPr>
+          <p:cNvPr id="62" name="사각형: 둥근 모서리 61">
             <a:extLst>
               <a:ext uri="{FF2B5EF4-FFF2-40B4-BE49-F238E27FC236}">
-                <a16:creationId xmlns:a16="http://schemas.microsoft.com/office/drawing/2014/main" id="{773123AF-9D51-42BA-A578-A22B06004951}"/>
+                <a16:creationId xmlns:a16="http://schemas.microsoft.com/office/drawing/2014/main" id="{2F99D609-EB9C-4FE1-AE6B-32C34CFB8C37}"/>
               </a:ext>
             </a:extLst>
           </p:cNvPr>
@@ -4515,12 +5315,12 @@
         </p:nvSpPr>
         <p:spPr>
           <a:xfrm>
-            <a:off x="4993317" y="2865341"/>
-            <a:ext cx="1389412" cy="654979"/>
+            <a:off x="2774605" y="583445"/>
+            <a:ext cx="1389410" cy="289856"/>
           </a:xfrm>
           <a:prstGeom prst="roundRect">
             <a:avLst>
-              <a:gd name="adj" fmla="val 7190"/>
+              <a:gd name="adj" fmla="val 8899"/>
             </a:avLst>
           </a:prstGeom>
         </p:spPr>
@@ -4545,402 +5345,11 @@
             <a:pPr algn="ctr"/>
             <a:r>
               <a:rPr lang="en-US" altLang="ko-KR" sz="1200"/>
-              <a:t>Follower</a:t>
-            </a:r>
-          </a:p>
-          <a:p>
-            <a:pPr algn="ctr"/>
-            <a:endParaRPr lang="en-US" altLang="ko-KR" sz="1200"/>
-          </a:p>
-          <a:p>
-            <a:pPr algn="ctr"/>
-            <a:r>
-              <a:rPr lang="en-US" altLang="ko-KR" sz="1200"/>
-              <a:t>Consul Server E</a:t>
-            </a:r>
-          </a:p>
-        </p:txBody>
-      </p:sp>
-      <p:sp>
-        <p:nvSpPr>
-          <p:cNvPr id="105" name="사각형: 둥근 모서리 104">
-            <a:extLst>
-              <a:ext uri="{FF2B5EF4-FFF2-40B4-BE49-F238E27FC236}">
-                <a16:creationId xmlns:a16="http://schemas.microsoft.com/office/drawing/2014/main" id="{6B6EA513-A57B-43DE-A447-1BFF87B99D99}"/>
-              </a:ext>
-            </a:extLst>
-          </p:cNvPr>
-          <p:cNvSpPr/>
-          <p:nvPr/>
-        </p:nvSpPr>
-        <p:spPr>
-          <a:xfrm>
-            <a:off x="6844740" y="2865341"/>
-            <a:ext cx="1389412" cy="654979"/>
-          </a:xfrm>
-          <a:prstGeom prst="roundRect">
-            <a:avLst>
-              <a:gd name="adj" fmla="val 7190"/>
-            </a:avLst>
-          </a:prstGeom>
-        </p:spPr>
-        <p:style>
-          <a:lnRef idx="2">
-            <a:schemeClr val="dk1"/>
-          </a:lnRef>
-          <a:fillRef idx="1">
-            <a:schemeClr val="lt1"/>
-          </a:fillRef>
-          <a:effectRef idx="0">
-            <a:schemeClr val="dk1"/>
-          </a:effectRef>
-          <a:fontRef idx="minor">
-            <a:schemeClr val="dk1"/>
-          </a:fontRef>
-        </p:style>
-        <p:txBody>
-          <a:bodyPr rtlCol="0" anchor="ctr"/>
-          <a:lstStyle/>
-          <a:p>
-            <a:pPr algn="ctr"/>
-            <a:r>
-              <a:rPr lang="en-US" altLang="ko-KR" sz="1200"/>
-              <a:t>Follower</a:t>
-            </a:r>
-          </a:p>
-          <a:p>
-            <a:pPr algn="ctr"/>
-            <a:endParaRPr lang="en-US" altLang="ko-KR" sz="1200"/>
-          </a:p>
-          <a:p>
-            <a:pPr algn="ctr"/>
-            <a:r>
-              <a:rPr lang="en-US" altLang="ko-KR" sz="1200"/>
-              <a:t>Consul Server F</a:t>
-            </a:r>
-          </a:p>
-        </p:txBody>
-      </p:sp>
-      <p:cxnSp>
-        <p:nvCxnSpPr>
-          <p:cNvPr id="108" name="직선 화살표 연결선 107">
-            <a:extLst>
-              <a:ext uri="{FF2B5EF4-FFF2-40B4-BE49-F238E27FC236}">
-                <a16:creationId xmlns:a16="http://schemas.microsoft.com/office/drawing/2014/main" id="{99C28A46-464D-4146-B5C7-353B3373876B}"/>
-              </a:ext>
-            </a:extLst>
-          </p:cNvPr>
-          <p:cNvCxnSpPr>
-            <a:cxnSpLocks/>
-            <a:stCxn id="104" idx="3"/>
-            <a:endCxn id="103" idx="2"/>
-          </p:cNvCxnSpPr>
-          <p:nvPr/>
-        </p:nvCxnSpPr>
-        <p:spPr>
-          <a:xfrm flipV="1">
-            <a:off x="6382729" y="2512430"/>
-            <a:ext cx="234866" cy="680401"/>
-          </a:xfrm>
-          <a:prstGeom prst="straightConnector1">
-            <a:avLst/>
-          </a:prstGeom>
-          <a:ln w="28575">
-            <a:solidFill>
-              <a:srgbClr val="C00000"/>
-            </a:solidFill>
-            <a:headEnd type="none" w="med" len="med"/>
-            <a:tailEnd type="arrow" w="med" len="med"/>
-          </a:ln>
-        </p:spPr>
-        <p:style>
-          <a:lnRef idx="1">
-            <a:schemeClr val="accent1"/>
-          </a:lnRef>
-          <a:fillRef idx="0">
-            <a:schemeClr val="accent1"/>
-          </a:fillRef>
-          <a:effectRef idx="0">
-            <a:schemeClr val="accent1"/>
-          </a:effectRef>
-          <a:fontRef idx="minor">
-            <a:schemeClr val="tx1"/>
-          </a:fontRef>
-        </p:style>
-      </p:cxnSp>
-      <p:sp>
-        <p:nvSpPr>
-          <p:cNvPr id="110" name="사각형: 둥근 모서리 109">
-            <a:extLst>
-              <a:ext uri="{FF2B5EF4-FFF2-40B4-BE49-F238E27FC236}">
-                <a16:creationId xmlns:a16="http://schemas.microsoft.com/office/drawing/2014/main" id="{D9FE1B58-6143-43D0-AAD0-4200C783A259}"/>
-              </a:ext>
-            </a:extLst>
-          </p:cNvPr>
-          <p:cNvSpPr/>
-          <p:nvPr/>
-        </p:nvSpPr>
-        <p:spPr>
-          <a:xfrm>
-            <a:off x="4912611" y="1764119"/>
-            <a:ext cx="3394737" cy="2044234"/>
-          </a:xfrm>
-          <a:prstGeom prst="roundRect">
-            <a:avLst>
-              <a:gd name="adj" fmla="val 3943"/>
-            </a:avLst>
-          </a:prstGeom>
-          <a:noFill/>
-          <a:ln>
-            <a:solidFill>
-              <a:schemeClr val="tx2"/>
-            </a:solidFill>
-            <a:prstDash val="dash"/>
-          </a:ln>
-        </p:spPr>
-        <p:style>
-          <a:lnRef idx="2">
-            <a:schemeClr val="dk1"/>
-          </a:lnRef>
-          <a:fillRef idx="1">
-            <a:schemeClr val="lt1"/>
-          </a:fillRef>
-          <a:effectRef idx="0">
-            <a:schemeClr val="dk1"/>
-          </a:effectRef>
-          <a:fontRef idx="minor">
-            <a:schemeClr val="dk1"/>
-          </a:fontRef>
-        </p:style>
-        <p:txBody>
-          <a:bodyPr rtlCol="0" anchor="b"/>
-          <a:lstStyle/>
-          <a:p>
-            <a:r>
-              <a:rPr lang="en-US" altLang="ko-KR" sz="1200">
-                <a:solidFill>
-                  <a:schemeClr val="tx2"/>
-                </a:solidFill>
-              </a:rPr>
-              <a:t>Raft Algorithm</a:t>
-            </a:r>
-            <a:endParaRPr lang="ko-KR" altLang="en-US" sz="1200">
-              <a:solidFill>
-                <a:schemeClr val="tx2"/>
-              </a:solidFill>
-            </a:endParaRPr>
-          </a:p>
-        </p:txBody>
-      </p:sp>
-      <p:sp>
-        <p:nvSpPr>
-          <p:cNvPr id="111" name="사각형: 둥근 모서리 110">
-            <a:extLst>
-              <a:ext uri="{FF2B5EF4-FFF2-40B4-BE49-F238E27FC236}">
-                <a16:creationId xmlns:a16="http://schemas.microsoft.com/office/drawing/2014/main" id="{BBF70E94-E291-431F-982C-1F493F386D09}"/>
-              </a:ext>
-            </a:extLst>
-          </p:cNvPr>
-          <p:cNvSpPr/>
-          <p:nvPr/>
-        </p:nvSpPr>
-        <p:spPr>
-          <a:xfrm>
-            <a:off x="4827366" y="801317"/>
-            <a:ext cx="3580569" cy="3354609"/>
-          </a:xfrm>
-          <a:prstGeom prst="roundRect">
-            <a:avLst>
-              <a:gd name="adj" fmla="val 4106"/>
-            </a:avLst>
-          </a:prstGeom>
-          <a:noFill/>
-          <a:ln>
-            <a:solidFill>
-              <a:srgbClr val="C00000"/>
-            </a:solidFill>
-            <a:prstDash val="dash"/>
-          </a:ln>
-        </p:spPr>
-        <p:style>
-          <a:lnRef idx="2">
-            <a:schemeClr val="dk1"/>
-          </a:lnRef>
-          <a:fillRef idx="1">
-            <a:schemeClr val="lt1"/>
-          </a:fillRef>
-          <a:effectRef idx="0">
-            <a:schemeClr val="dk1"/>
-          </a:effectRef>
-          <a:fontRef idx="minor">
-            <a:schemeClr val="dk1"/>
-          </a:fontRef>
-        </p:style>
-        <p:txBody>
-          <a:bodyPr rtlCol="0" anchor="b"/>
-          <a:lstStyle/>
-          <a:p>
-            <a:r>
-              <a:rPr lang="en-US" altLang="ko-KR" sz="1200">
-                <a:solidFill>
-                  <a:srgbClr val="C00000"/>
-                </a:solidFill>
-              </a:rPr>
-              <a:t>LAN gossip Pool</a:t>
-            </a:r>
-            <a:endParaRPr lang="ko-KR" altLang="en-US" sz="1200">
-              <a:solidFill>
-                <a:srgbClr val="C00000"/>
-              </a:solidFill>
-            </a:endParaRPr>
-          </a:p>
-        </p:txBody>
-      </p:sp>
-      <p:sp>
-        <p:nvSpPr>
-          <p:cNvPr id="114" name="사각형: 둥근 모서리 113">
-            <a:extLst>
-              <a:ext uri="{FF2B5EF4-FFF2-40B4-BE49-F238E27FC236}">
-                <a16:creationId xmlns:a16="http://schemas.microsoft.com/office/drawing/2014/main" id="{E3F48E04-8333-44EE-823D-802006443B42}"/>
-              </a:ext>
-            </a:extLst>
-          </p:cNvPr>
-          <p:cNvSpPr/>
-          <p:nvPr/>
-        </p:nvSpPr>
-        <p:spPr>
-          <a:xfrm>
-            <a:off x="4713555" y="699542"/>
-            <a:ext cx="3888218" cy="4104456"/>
-          </a:xfrm>
-          <a:prstGeom prst="roundRect">
-            <a:avLst>
-              <a:gd name="adj" fmla="val 3131"/>
-            </a:avLst>
-          </a:prstGeom>
-          <a:noFill/>
-        </p:spPr>
-        <p:style>
-          <a:lnRef idx="2">
-            <a:schemeClr val="dk1"/>
-          </a:lnRef>
-          <a:fillRef idx="1">
-            <a:schemeClr val="lt1"/>
-          </a:fillRef>
-          <a:effectRef idx="0">
-            <a:schemeClr val="dk1"/>
-          </a:effectRef>
-          <a:fontRef idx="minor">
-            <a:schemeClr val="dk1"/>
-          </a:fontRef>
-        </p:style>
-        <p:txBody>
-          <a:bodyPr rtlCol="0" anchor="b"/>
-          <a:lstStyle/>
-          <a:p>
-            <a:pPr algn="ctr"/>
-            <a:r>
-              <a:rPr lang="en-US" altLang="ko-KR" sz="1400"/>
-              <a:t>Data Center B</a:t>
-            </a:r>
-            <a:endParaRPr lang="ko-KR" altLang="en-US" sz="1400"/>
-          </a:p>
-        </p:txBody>
-      </p:sp>
-      <p:cxnSp>
-        <p:nvCxnSpPr>
-          <p:cNvPr id="115" name="직선 화살표 연결선 114">
-            <a:extLst>
-              <a:ext uri="{FF2B5EF4-FFF2-40B4-BE49-F238E27FC236}">
-                <a16:creationId xmlns:a16="http://schemas.microsoft.com/office/drawing/2014/main" id="{03458614-EB45-4E5E-8614-DA754736DF17}"/>
-              </a:ext>
-            </a:extLst>
-          </p:cNvPr>
-          <p:cNvCxnSpPr>
-            <a:cxnSpLocks/>
-            <a:stCxn id="13" idx="3"/>
-            <a:endCxn id="103" idx="1"/>
-          </p:cNvCxnSpPr>
-          <p:nvPr/>
-        </p:nvCxnSpPr>
-        <p:spPr>
-          <a:xfrm>
-            <a:off x="3298598" y="2184941"/>
-            <a:ext cx="2624291" cy="0"/>
-          </a:xfrm>
-          <a:prstGeom prst="straightConnector1">
-            <a:avLst/>
-          </a:prstGeom>
-          <a:ln w="28575">
-            <a:solidFill>
-              <a:srgbClr val="C00000"/>
-            </a:solidFill>
-            <a:headEnd type="none" w="med" len="med"/>
-            <a:tailEnd type="arrow" w="med" len="med"/>
-          </a:ln>
-        </p:spPr>
-        <p:style>
-          <a:lnRef idx="1">
-            <a:schemeClr val="accent1"/>
-          </a:lnRef>
-          <a:fillRef idx="0">
-            <a:schemeClr val="accent1"/>
-          </a:fillRef>
-          <a:effectRef idx="0">
-            <a:schemeClr val="accent1"/>
-          </a:effectRef>
-          <a:fontRef idx="minor">
-            <a:schemeClr val="tx1"/>
-          </a:fontRef>
-        </p:style>
-      </p:cxnSp>
-      <p:cxnSp>
-        <p:nvCxnSpPr>
-          <p:cNvPr id="118" name="직선 화살표 연결선 117">
-            <a:extLst>
-              <a:ext uri="{FF2B5EF4-FFF2-40B4-BE49-F238E27FC236}">
-                <a16:creationId xmlns:a16="http://schemas.microsoft.com/office/drawing/2014/main" id="{AF2FCA72-A149-468C-BAC0-F7CB3D69FA4C}"/>
-              </a:ext>
-            </a:extLst>
-          </p:cNvPr>
-          <p:cNvCxnSpPr>
-            <a:cxnSpLocks/>
-            <a:stCxn id="16" idx="3"/>
-            <a:endCxn id="104" idx="1"/>
-          </p:cNvCxnSpPr>
-          <p:nvPr/>
-        </p:nvCxnSpPr>
-        <p:spPr>
-          <a:xfrm>
-            <a:off x="4220449" y="3192831"/>
-            <a:ext cx="772868" cy="0"/>
-          </a:xfrm>
-          <a:prstGeom prst="straightConnector1">
-            <a:avLst/>
-          </a:prstGeom>
-          <a:ln w="28575">
-            <a:solidFill>
-              <a:srgbClr val="C00000"/>
-            </a:solidFill>
-            <a:headEnd type="none" w="med" len="med"/>
-            <a:tailEnd type="arrow" w="med" len="med"/>
-          </a:ln>
-        </p:spPr>
-        <p:style>
-          <a:lnRef idx="1">
-            <a:schemeClr val="accent1"/>
-          </a:lnRef>
-          <a:fillRef idx="0">
-            <a:schemeClr val="accent1"/>
-          </a:fillRef>
-          <a:effectRef idx="0">
-            <a:schemeClr val="accent1"/>
-          </a:effectRef>
-          <a:fontRef idx="minor">
-            <a:schemeClr val="tx1"/>
-          </a:fontRef>
-        </p:style>
-      </p:cxnSp>
+              <a:t>Service</a:t>
+            </a:r>
+          </a:p>
+        </p:txBody>
+      </p:sp>
       <p:cxnSp>
         <p:nvCxnSpPr>
           <p:cNvPr id="123" name="직선 화살표 연결선 122">
@@ -4952,13 +5361,14 @@
           </p:cNvPr>
           <p:cNvCxnSpPr>
             <a:cxnSpLocks/>
+            <a:stCxn id="60" idx="2"/>
           </p:cNvCxnSpPr>
           <p:nvPr/>
         </p:nvCxnSpPr>
         <p:spPr>
-          <a:xfrm>
-            <a:off x="2699792" y="1493515"/>
-            <a:ext cx="0" cy="363936"/>
+          <a:xfrm flipH="1">
+            <a:off x="2699792" y="1810549"/>
+            <a:ext cx="769518" cy="473169"/>
           </a:xfrm>
           <a:prstGeom prst="straightConnector1">
             <a:avLst/>
@@ -4997,13 +5407,14 @@
           </p:cNvPr>
           <p:cNvCxnSpPr>
             <a:cxnSpLocks/>
+            <a:stCxn id="60" idx="2"/>
           </p:cNvCxnSpPr>
           <p:nvPr/>
         </p:nvCxnSpPr>
         <p:spPr>
           <a:xfrm>
-            <a:off x="2714045" y="1493515"/>
-            <a:ext cx="921851" cy="1371826"/>
+            <a:off x="3469310" y="1810549"/>
+            <a:ext cx="152333" cy="1181490"/>
           </a:xfrm>
           <a:prstGeom prst="straightConnector1">
             <a:avLst/>
@@ -5033,10 +5444,630 @@
       </p:cxnSp>
       <p:sp>
         <p:nvSpPr>
-          <p:cNvPr id="137" name="TextBox 136">
+          <p:cNvPr id="69" name="사각형: 둥근 모서리 68">
             <a:extLst>
               <a:ext uri="{FF2B5EF4-FFF2-40B4-BE49-F238E27FC236}">
-                <a16:creationId xmlns:a16="http://schemas.microsoft.com/office/drawing/2014/main" id="{7D0C8947-B921-4BEB-8ACF-7005FED2B0ED}"/>
+                <a16:creationId xmlns:a16="http://schemas.microsoft.com/office/drawing/2014/main" id="{7F896588-D83F-4F1C-990F-2BE8A458853B}"/>
+              </a:ext>
+            </a:extLst>
+          </p:cNvPr>
+          <p:cNvSpPr/>
+          <p:nvPr/>
+        </p:nvSpPr>
+        <p:spPr>
+          <a:xfrm>
+            <a:off x="5040589" y="1046992"/>
+            <a:ext cx="1389410" cy="846475"/>
+          </a:xfrm>
+          <a:prstGeom prst="roundRect">
+            <a:avLst>
+              <a:gd name="adj" fmla="val 7190"/>
+            </a:avLst>
+          </a:prstGeom>
+        </p:spPr>
+        <p:style>
+          <a:lnRef idx="2">
+            <a:schemeClr val="dk1"/>
+          </a:lnRef>
+          <a:fillRef idx="1">
+            <a:schemeClr val="lt1"/>
+          </a:fillRef>
+          <a:effectRef idx="0">
+            <a:schemeClr val="dk1"/>
+          </a:effectRef>
+          <a:fontRef idx="minor">
+            <a:schemeClr val="dk1"/>
+          </a:fontRef>
+        </p:style>
+        <p:txBody>
+          <a:bodyPr rtlCol="0" anchor="t"/>
+          <a:lstStyle/>
+          <a:p>
+            <a:pPr algn="ctr"/>
+            <a:r>
+              <a:rPr lang="en-US" altLang="ko-KR" sz="1200"/>
+              <a:t>Consul Client</a:t>
+            </a:r>
+          </a:p>
+          <a:p>
+            <a:pPr algn="ctr"/>
+            <a:r>
+              <a:rPr lang="en-US" altLang="ko-KR" sz="1200"/>
+              <a:t>Node C</a:t>
+            </a:r>
+          </a:p>
+        </p:txBody>
+      </p:sp>
+      <p:sp>
+        <p:nvSpPr>
+          <p:cNvPr id="70" name="사각형: 둥근 모서리 69">
+            <a:extLst>
+              <a:ext uri="{FF2B5EF4-FFF2-40B4-BE49-F238E27FC236}">
+                <a16:creationId xmlns:a16="http://schemas.microsoft.com/office/drawing/2014/main" id="{78222023-A36D-4D8E-AE6B-F93DF97B3264}"/>
+              </a:ext>
+            </a:extLst>
+          </p:cNvPr>
+          <p:cNvSpPr/>
+          <p:nvPr/>
+        </p:nvSpPr>
+        <p:spPr>
+          <a:xfrm>
+            <a:off x="5184886" y="1520693"/>
+            <a:ext cx="1100816" cy="289856"/>
+          </a:xfrm>
+          <a:prstGeom prst="roundRect">
+            <a:avLst>
+              <a:gd name="adj" fmla="val 8899"/>
+            </a:avLst>
+          </a:prstGeom>
+        </p:spPr>
+        <p:style>
+          <a:lnRef idx="2">
+            <a:schemeClr val="dk1"/>
+          </a:lnRef>
+          <a:fillRef idx="1">
+            <a:schemeClr val="lt1"/>
+          </a:fillRef>
+          <a:effectRef idx="0">
+            <a:schemeClr val="dk1"/>
+          </a:effectRef>
+          <a:fontRef idx="minor">
+            <a:schemeClr val="dk1"/>
+          </a:fontRef>
+        </p:style>
+        <p:txBody>
+          <a:bodyPr rtlCol="0" anchor="ctr"/>
+          <a:lstStyle/>
+          <a:p>
+            <a:pPr algn="ctr"/>
+            <a:r>
+              <a:rPr lang="en-US" altLang="ko-KR" sz="1100"/>
+              <a:t>Load Balancer</a:t>
+            </a:r>
+          </a:p>
+        </p:txBody>
+      </p:sp>
+      <p:sp>
+        <p:nvSpPr>
+          <p:cNvPr id="71" name="사각형: 둥근 모서리 70">
+            <a:extLst>
+              <a:ext uri="{FF2B5EF4-FFF2-40B4-BE49-F238E27FC236}">
+                <a16:creationId xmlns:a16="http://schemas.microsoft.com/office/drawing/2014/main" id="{D7CEF0E3-AFAA-4961-934A-13D19810272F}"/>
+              </a:ext>
+            </a:extLst>
+          </p:cNvPr>
+          <p:cNvSpPr/>
+          <p:nvPr/>
+        </p:nvSpPr>
+        <p:spPr>
+          <a:xfrm>
+            <a:off x="4912610" y="264965"/>
+            <a:ext cx="1640832" cy="1735100"/>
+          </a:xfrm>
+          <a:prstGeom prst="roundRect">
+            <a:avLst>
+              <a:gd name="adj" fmla="val 4073"/>
+            </a:avLst>
+          </a:prstGeom>
+          <a:noFill/>
+        </p:spPr>
+        <p:style>
+          <a:lnRef idx="2">
+            <a:schemeClr val="dk1"/>
+          </a:lnRef>
+          <a:fillRef idx="1">
+            <a:schemeClr val="lt1"/>
+          </a:fillRef>
+          <a:effectRef idx="0">
+            <a:schemeClr val="dk1"/>
+          </a:effectRef>
+          <a:fontRef idx="minor">
+            <a:schemeClr val="dk1"/>
+          </a:fontRef>
+        </p:style>
+        <p:txBody>
+          <a:bodyPr rtlCol="0" anchor="t"/>
+          <a:lstStyle/>
+          <a:p>
+            <a:pPr algn="ctr"/>
+            <a:r>
+              <a:rPr lang="en-US" altLang="ko-KR" sz="1200"/>
+              <a:t>Node</a:t>
+            </a:r>
+            <a:r>
+              <a:rPr lang="ko-KR" altLang="en-US" sz="1200"/>
+              <a:t> </a:t>
+            </a:r>
+            <a:r>
+              <a:rPr lang="en-US" altLang="ko-KR" sz="1200"/>
+              <a:t>C</a:t>
+            </a:r>
+          </a:p>
+        </p:txBody>
+      </p:sp>
+      <p:sp>
+        <p:nvSpPr>
+          <p:cNvPr id="72" name="사각형: 둥근 모서리 71">
+            <a:extLst>
+              <a:ext uri="{FF2B5EF4-FFF2-40B4-BE49-F238E27FC236}">
+                <a16:creationId xmlns:a16="http://schemas.microsoft.com/office/drawing/2014/main" id="{EAA2BCA3-2FAA-4DF5-A65D-C9CFFD92013F}"/>
+              </a:ext>
+            </a:extLst>
+          </p:cNvPr>
+          <p:cNvSpPr/>
+          <p:nvPr/>
+        </p:nvSpPr>
+        <p:spPr>
+          <a:xfrm>
+            <a:off x="5040589" y="583445"/>
+            <a:ext cx="1389410" cy="289856"/>
+          </a:xfrm>
+          <a:prstGeom prst="roundRect">
+            <a:avLst>
+              <a:gd name="adj" fmla="val 8899"/>
+            </a:avLst>
+          </a:prstGeom>
+        </p:spPr>
+        <p:style>
+          <a:lnRef idx="2">
+            <a:schemeClr val="dk1"/>
+          </a:lnRef>
+          <a:fillRef idx="1">
+            <a:schemeClr val="lt1"/>
+          </a:fillRef>
+          <a:effectRef idx="0">
+            <a:schemeClr val="dk1"/>
+          </a:effectRef>
+          <a:fontRef idx="minor">
+            <a:schemeClr val="dk1"/>
+          </a:fontRef>
+        </p:style>
+        <p:txBody>
+          <a:bodyPr rtlCol="0" anchor="ctr"/>
+          <a:lstStyle/>
+          <a:p>
+            <a:pPr algn="ctr"/>
+            <a:r>
+              <a:rPr lang="en-US" altLang="ko-KR" sz="1200"/>
+              <a:t>Service</a:t>
+            </a:r>
+          </a:p>
+        </p:txBody>
+      </p:sp>
+      <p:sp>
+        <p:nvSpPr>
+          <p:cNvPr id="73" name="사각형: 둥근 모서리 72">
+            <a:extLst>
+              <a:ext uri="{FF2B5EF4-FFF2-40B4-BE49-F238E27FC236}">
+                <a16:creationId xmlns:a16="http://schemas.microsoft.com/office/drawing/2014/main" id="{EF58A241-ACB4-42AE-A434-1B57878F4E47}"/>
+              </a:ext>
+            </a:extLst>
+          </p:cNvPr>
+          <p:cNvSpPr/>
+          <p:nvPr/>
+        </p:nvSpPr>
+        <p:spPr>
+          <a:xfrm>
+            <a:off x="6916286" y="1046992"/>
+            <a:ext cx="1389410" cy="846475"/>
+          </a:xfrm>
+          <a:prstGeom prst="roundRect">
+            <a:avLst>
+              <a:gd name="adj" fmla="val 7190"/>
+            </a:avLst>
+          </a:prstGeom>
+        </p:spPr>
+        <p:style>
+          <a:lnRef idx="2">
+            <a:schemeClr val="dk1"/>
+          </a:lnRef>
+          <a:fillRef idx="1">
+            <a:schemeClr val="lt1"/>
+          </a:fillRef>
+          <a:effectRef idx="0">
+            <a:schemeClr val="dk1"/>
+          </a:effectRef>
+          <a:fontRef idx="minor">
+            <a:schemeClr val="dk1"/>
+          </a:fontRef>
+        </p:style>
+        <p:txBody>
+          <a:bodyPr rtlCol="0" anchor="t"/>
+          <a:lstStyle/>
+          <a:p>
+            <a:pPr algn="ctr"/>
+            <a:r>
+              <a:rPr lang="en-US" altLang="ko-KR" sz="1200"/>
+              <a:t>Consul Client</a:t>
+            </a:r>
+          </a:p>
+          <a:p>
+            <a:pPr algn="ctr"/>
+            <a:r>
+              <a:rPr lang="en-US" altLang="ko-KR" sz="1200"/>
+              <a:t>Node D</a:t>
+            </a:r>
+          </a:p>
+        </p:txBody>
+      </p:sp>
+      <p:sp>
+        <p:nvSpPr>
+          <p:cNvPr id="74" name="사각형: 둥근 모서리 73">
+            <a:extLst>
+              <a:ext uri="{FF2B5EF4-FFF2-40B4-BE49-F238E27FC236}">
+                <a16:creationId xmlns:a16="http://schemas.microsoft.com/office/drawing/2014/main" id="{4EC062FF-6440-4EAA-AD1B-16BBC4A7DCFD}"/>
+              </a:ext>
+            </a:extLst>
+          </p:cNvPr>
+          <p:cNvSpPr/>
+          <p:nvPr/>
+        </p:nvSpPr>
+        <p:spPr>
+          <a:xfrm>
+            <a:off x="7060583" y="1520693"/>
+            <a:ext cx="1100816" cy="289856"/>
+          </a:xfrm>
+          <a:prstGeom prst="roundRect">
+            <a:avLst>
+              <a:gd name="adj" fmla="val 8899"/>
+            </a:avLst>
+          </a:prstGeom>
+        </p:spPr>
+        <p:style>
+          <a:lnRef idx="2">
+            <a:schemeClr val="dk1"/>
+          </a:lnRef>
+          <a:fillRef idx="1">
+            <a:schemeClr val="lt1"/>
+          </a:fillRef>
+          <a:effectRef idx="0">
+            <a:schemeClr val="dk1"/>
+          </a:effectRef>
+          <a:fontRef idx="minor">
+            <a:schemeClr val="dk1"/>
+          </a:fontRef>
+        </p:style>
+        <p:txBody>
+          <a:bodyPr rtlCol="0" anchor="ctr"/>
+          <a:lstStyle/>
+          <a:p>
+            <a:pPr algn="ctr"/>
+            <a:r>
+              <a:rPr lang="en-US" altLang="ko-KR" sz="1100"/>
+              <a:t>Load Balancer</a:t>
+            </a:r>
+          </a:p>
+        </p:txBody>
+      </p:sp>
+      <p:sp>
+        <p:nvSpPr>
+          <p:cNvPr id="75" name="사각형: 둥근 모서리 74">
+            <a:extLst>
+              <a:ext uri="{FF2B5EF4-FFF2-40B4-BE49-F238E27FC236}">
+                <a16:creationId xmlns:a16="http://schemas.microsoft.com/office/drawing/2014/main" id="{622C9F0C-94CD-43E2-8A57-3A17EDEC1D43}"/>
+              </a:ext>
+            </a:extLst>
+          </p:cNvPr>
+          <p:cNvSpPr/>
+          <p:nvPr/>
+        </p:nvSpPr>
+        <p:spPr>
+          <a:xfrm>
+            <a:off x="6788307" y="264965"/>
+            <a:ext cx="1640832" cy="1735100"/>
+          </a:xfrm>
+          <a:prstGeom prst="roundRect">
+            <a:avLst>
+              <a:gd name="adj" fmla="val 4073"/>
+            </a:avLst>
+          </a:prstGeom>
+          <a:noFill/>
+        </p:spPr>
+        <p:style>
+          <a:lnRef idx="2">
+            <a:schemeClr val="dk1"/>
+          </a:lnRef>
+          <a:fillRef idx="1">
+            <a:schemeClr val="lt1"/>
+          </a:fillRef>
+          <a:effectRef idx="0">
+            <a:schemeClr val="dk1"/>
+          </a:effectRef>
+          <a:fontRef idx="minor">
+            <a:schemeClr val="dk1"/>
+          </a:fontRef>
+        </p:style>
+        <p:txBody>
+          <a:bodyPr rtlCol="0" anchor="t"/>
+          <a:lstStyle/>
+          <a:p>
+            <a:pPr algn="ctr"/>
+            <a:r>
+              <a:rPr lang="en-US" altLang="ko-KR" sz="1200"/>
+              <a:t>Node</a:t>
+            </a:r>
+            <a:r>
+              <a:rPr lang="ko-KR" altLang="en-US" sz="1200"/>
+              <a:t> </a:t>
+            </a:r>
+            <a:r>
+              <a:rPr lang="en-US" altLang="ko-KR" sz="1200"/>
+              <a:t>D</a:t>
+            </a:r>
+          </a:p>
+        </p:txBody>
+      </p:sp>
+      <p:sp>
+        <p:nvSpPr>
+          <p:cNvPr id="76" name="사각형: 둥근 모서리 75">
+            <a:extLst>
+              <a:ext uri="{FF2B5EF4-FFF2-40B4-BE49-F238E27FC236}">
+                <a16:creationId xmlns:a16="http://schemas.microsoft.com/office/drawing/2014/main" id="{2D875D16-30FB-49AD-8124-F8712501C4B5}"/>
+              </a:ext>
+            </a:extLst>
+          </p:cNvPr>
+          <p:cNvSpPr/>
+          <p:nvPr/>
+        </p:nvSpPr>
+        <p:spPr>
+          <a:xfrm>
+            <a:off x="6916286" y="583445"/>
+            <a:ext cx="1389410" cy="289856"/>
+          </a:xfrm>
+          <a:prstGeom prst="roundRect">
+            <a:avLst>
+              <a:gd name="adj" fmla="val 8899"/>
+            </a:avLst>
+          </a:prstGeom>
+        </p:spPr>
+        <p:style>
+          <a:lnRef idx="2">
+            <a:schemeClr val="dk1"/>
+          </a:lnRef>
+          <a:fillRef idx="1">
+            <a:schemeClr val="lt1"/>
+          </a:fillRef>
+          <a:effectRef idx="0">
+            <a:schemeClr val="dk1"/>
+          </a:effectRef>
+          <a:fontRef idx="minor">
+            <a:schemeClr val="dk1"/>
+          </a:fontRef>
+        </p:style>
+        <p:txBody>
+          <a:bodyPr rtlCol="0" anchor="ctr"/>
+          <a:lstStyle/>
+          <a:p>
+            <a:pPr algn="ctr"/>
+            <a:r>
+              <a:rPr lang="en-US" altLang="ko-KR" sz="1200"/>
+              <a:t>Service</a:t>
+            </a:r>
+          </a:p>
+        </p:txBody>
+      </p:sp>
+      <p:cxnSp>
+        <p:nvCxnSpPr>
+          <p:cNvPr id="77" name="직선 화살표 연결선 76">
+            <a:extLst>
+              <a:ext uri="{FF2B5EF4-FFF2-40B4-BE49-F238E27FC236}">
+                <a16:creationId xmlns:a16="http://schemas.microsoft.com/office/drawing/2014/main" id="{CA9A0198-051E-4708-87D4-43FEAC2B0ED8}"/>
+              </a:ext>
+            </a:extLst>
+          </p:cNvPr>
+          <p:cNvCxnSpPr>
+            <a:cxnSpLocks/>
+            <a:stCxn id="17" idx="0"/>
+            <a:endCxn id="48" idx="2"/>
+          </p:cNvCxnSpPr>
+          <p:nvPr/>
+        </p:nvCxnSpPr>
+        <p:spPr>
+          <a:xfrm flipV="1">
+            <a:off x="1593613" y="873301"/>
+            <a:ext cx="0" cy="173691"/>
+          </a:xfrm>
+          <a:prstGeom prst="straightConnector1">
+            <a:avLst/>
+          </a:prstGeom>
+          <a:ln w="28575">
+            <a:solidFill>
+              <a:schemeClr val="accent3">
+                <a:lumMod val="75000"/>
+              </a:schemeClr>
+            </a:solidFill>
+            <a:headEnd type="none" w="med" len="med"/>
+            <a:tailEnd type="arrow" w="med" len="med"/>
+          </a:ln>
+        </p:spPr>
+        <p:style>
+          <a:lnRef idx="1">
+            <a:schemeClr val="accent1"/>
+          </a:lnRef>
+          <a:fillRef idx="0">
+            <a:schemeClr val="accent1"/>
+          </a:fillRef>
+          <a:effectRef idx="0">
+            <a:schemeClr val="accent1"/>
+          </a:effectRef>
+          <a:fontRef idx="minor">
+            <a:schemeClr val="tx1"/>
+          </a:fontRef>
+        </p:style>
+      </p:cxnSp>
+      <p:cxnSp>
+        <p:nvCxnSpPr>
+          <p:cNvPr id="82" name="직선 화살표 연결선 81">
+            <a:extLst>
+              <a:ext uri="{FF2B5EF4-FFF2-40B4-BE49-F238E27FC236}">
+                <a16:creationId xmlns:a16="http://schemas.microsoft.com/office/drawing/2014/main" id="{8D8BA5AD-1125-44C1-83E0-9367E4D8C580}"/>
+              </a:ext>
+            </a:extLst>
+          </p:cNvPr>
+          <p:cNvCxnSpPr>
+            <a:cxnSpLocks/>
+            <a:stCxn id="59" idx="0"/>
+            <a:endCxn id="62" idx="2"/>
+          </p:cNvCxnSpPr>
+          <p:nvPr/>
+        </p:nvCxnSpPr>
+        <p:spPr>
+          <a:xfrm flipV="1">
+            <a:off x="3469310" y="873301"/>
+            <a:ext cx="0" cy="173691"/>
+          </a:xfrm>
+          <a:prstGeom prst="straightConnector1">
+            <a:avLst/>
+          </a:prstGeom>
+          <a:ln w="28575">
+            <a:solidFill>
+              <a:schemeClr val="accent3">
+                <a:lumMod val="75000"/>
+              </a:schemeClr>
+            </a:solidFill>
+            <a:headEnd type="none" w="med" len="med"/>
+            <a:tailEnd type="arrow" w="med" len="med"/>
+          </a:ln>
+        </p:spPr>
+        <p:style>
+          <a:lnRef idx="1">
+            <a:schemeClr val="accent1"/>
+          </a:lnRef>
+          <a:fillRef idx="0">
+            <a:schemeClr val="accent1"/>
+          </a:fillRef>
+          <a:effectRef idx="0">
+            <a:schemeClr val="accent1"/>
+          </a:effectRef>
+          <a:fontRef idx="minor">
+            <a:schemeClr val="tx1"/>
+          </a:fontRef>
+        </p:style>
+      </p:cxnSp>
+      <p:cxnSp>
+        <p:nvCxnSpPr>
+          <p:cNvPr id="85" name="직선 화살표 연결선 84">
+            <a:extLst>
+              <a:ext uri="{FF2B5EF4-FFF2-40B4-BE49-F238E27FC236}">
+                <a16:creationId xmlns:a16="http://schemas.microsoft.com/office/drawing/2014/main" id="{C84EDC6A-6AD9-4618-B39A-527491F24282}"/>
+              </a:ext>
+            </a:extLst>
+          </p:cNvPr>
+          <p:cNvCxnSpPr>
+            <a:cxnSpLocks/>
+            <a:stCxn id="69" idx="0"/>
+            <a:endCxn id="72" idx="2"/>
+          </p:cNvCxnSpPr>
+          <p:nvPr/>
+        </p:nvCxnSpPr>
+        <p:spPr>
+          <a:xfrm flipV="1">
+            <a:off x="5735294" y="873301"/>
+            <a:ext cx="0" cy="173691"/>
+          </a:xfrm>
+          <a:prstGeom prst="straightConnector1">
+            <a:avLst/>
+          </a:prstGeom>
+          <a:ln w="28575">
+            <a:solidFill>
+              <a:schemeClr val="accent3">
+                <a:lumMod val="75000"/>
+              </a:schemeClr>
+            </a:solidFill>
+            <a:headEnd type="none" w="med" len="med"/>
+            <a:tailEnd type="arrow" w="med" len="med"/>
+          </a:ln>
+        </p:spPr>
+        <p:style>
+          <a:lnRef idx="1">
+            <a:schemeClr val="accent1"/>
+          </a:lnRef>
+          <a:fillRef idx="0">
+            <a:schemeClr val="accent1"/>
+          </a:fillRef>
+          <a:effectRef idx="0">
+            <a:schemeClr val="accent1"/>
+          </a:effectRef>
+          <a:fontRef idx="minor">
+            <a:schemeClr val="tx1"/>
+          </a:fontRef>
+        </p:style>
+      </p:cxnSp>
+      <p:cxnSp>
+        <p:nvCxnSpPr>
+          <p:cNvPr id="88" name="직선 화살표 연결선 87">
+            <a:extLst>
+              <a:ext uri="{FF2B5EF4-FFF2-40B4-BE49-F238E27FC236}">
+                <a16:creationId xmlns:a16="http://schemas.microsoft.com/office/drawing/2014/main" id="{7DFEE518-809B-4F22-B735-0E60F9D1523D}"/>
+              </a:ext>
+            </a:extLst>
+          </p:cNvPr>
+          <p:cNvCxnSpPr>
+            <a:cxnSpLocks/>
+            <a:stCxn id="73" idx="0"/>
+            <a:endCxn id="76" idx="2"/>
+          </p:cNvCxnSpPr>
+          <p:nvPr/>
+        </p:nvCxnSpPr>
+        <p:spPr>
+          <a:xfrm flipV="1">
+            <a:off x="7610991" y="873301"/>
+            <a:ext cx="0" cy="173691"/>
+          </a:xfrm>
+          <a:prstGeom prst="straightConnector1">
+            <a:avLst/>
+          </a:prstGeom>
+          <a:ln w="28575">
+            <a:solidFill>
+              <a:schemeClr val="accent3">
+                <a:lumMod val="75000"/>
+              </a:schemeClr>
+            </a:solidFill>
+            <a:headEnd type="none" w="med" len="med"/>
+            <a:tailEnd type="arrow" w="med" len="med"/>
+          </a:ln>
+        </p:spPr>
+        <p:style>
+          <a:lnRef idx="1">
+            <a:schemeClr val="accent1"/>
+          </a:lnRef>
+          <a:fillRef idx="0">
+            <a:schemeClr val="accent1"/>
+          </a:fillRef>
+          <a:effectRef idx="0">
+            <a:schemeClr val="accent1"/>
+          </a:effectRef>
+          <a:fontRef idx="minor">
+            <a:schemeClr val="tx1"/>
+          </a:fontRef>
+        </p:style>
+      </p:cxnSp>
+      <p:sp>
+        <p:nvSpPr>
+          <p:cNvPr id="92" name="TextBox 91">
+            <a:extLst>
+              <a:ext uri="{FF2B5EF4-FFF2-40B4-BE49-F238E27FC236}">
+                <a16:creationId xmlns:a16="http://schemas.microsoft.com/office/drawing/2014/main" id="{59861BCF-FC79-4716-B834-B907EFA4388A}"/>
               </a:ext>
             </a:extLst>
           </p:cNvPr>
@@ -5045,8 +6076,8 @@
         </p:nvSpPr>
         <p:spPr>
           <a:xfrm>
-            <a:off x="4088056" y="4848329"/>
-            <a:ext cx="3071410" cy="276999"/>
+            <a:off x="7173899" y="4776321"/>
+            <a:ext cx="1646573" cy="276999"/>
           </a:xfrm>
           <a:prstGeom prst="rect">
             <a:avLst/>
@@ -5061,30 +6092,29 @@
           <a:p>
             <a:r>
               <a:rPr lang="en-US" altLang="ko-KR" sz="1200"/>
-              <a:t>Client Request to Remote Consul Server</a:t>
+              <a:t>Sevice Health Check</a:t>
             </a:r>
           </a:p>
         </p:txBody>
       </p:sp>
       <p:cxnSp>
         <p:nvCxnSpPr>
-          <p:cNvPr id="138" name="직선 화살표 연결선 137">
+          <p:cNvPr id="93" name="직선 화살표 연결선 92">
             <a:extLst>
               <a:ext uri="{FF2B5EF4-FFF2-40B4-BE49-F238E27FC236}">
-                <a16:creationId xmlns:a16="http://schemas.microsoft.com/office/drawing/2014/main" id="{B3990640-820E-4F2E-954B-3123883D6F43}"/>
+                <a16:creationId xmlns:a16="http://schemas.microsoft.com/office/drawing/2014/main" id="{68B69F10-DB03-4BB9-ACEC-B8553CB4924E}"/>
               </a:ext>
             </a:extLst>
           </p:cNvPr>
           <p:cNvCxnSpPr>
             <a:cxnSpLocks/>
-            <a:stCxn id="35" idx="3"/>
-            <a:endCxn id="137" idx="1"/>
+            <a:endCxn id="92" idx="1"/>
           </p:cNvCxnSpPr>
           <p:nvPr/>
         </p:nvCxnSpPr>
         <p:spPr>
           <a:xfrm>
-            <a:off x="3857599" y="4983190"/>
+            <a:off x="6943442" y="4911182"/>
             <a:ext cx="230457" cy="3639"/>
           </a:xfrm>
           <a:prstGeom prst="straightConnector1">
@@ -5092,7 +6122,9 @@
           </a:prstGeom>
           <a:ln w="28575">
             <a:solidFill>
-              <a:srgbClr val="C00000"/>
+              <a:schemeClr val="accent3">
+                <a:lumMod val="75000"/>
+              </a:schemeClr>
             </a:solidFill>
             <a:headEnd type="none" w="med" len="med"/>
             <a:tailEnd type="arrow" w="med" len="med"/>
@@ -5182,6 +6214,1676 @@
 </file>
 
 <file path=ppt/slides/slide3.xml><?xml version="1.0" encoding="utf-8"?>
+<p:sld xmlns:a="http://schemas.openxmlformats.org/drawingml/2006/main" xmlns:r="http://schemas.openxmlformats.org/officeDocument/2006/relationships" xmlns:p="http://schemas.openxmlformats.org/presentationml/2006/main">
+  <p:cSld>
+    <p:spTree>
+      <p:nvGrpSpPr>
+        <p:cNvPr id="1" name=""/>
+        <p:cNvGrpSpPr/>
+        <p:nvPr/>
+      </p:nvGrpSpPr>
+      <p:grpSpPr>
+        <a:xfrm>
+          <a:off x="0" y="0"/>
+          <a:ext cx="0" cy="0"/>
+          <a:chOff x="0" y="0"/>
+          <a:chExt cx="0" cy="0"/>
+        </a:xfrm>
+      </p:grpSpPr>
+      <p:sp>
+        <p:nvSpPr>
+          <p:cNvPr id="2" name="제목 1">
+            <a:extLst>
+              <a:ext uri="{FF2B5EF4-FFF2-40B4-BE49-F238E27FC236}">
+                <a16:creationId xmlns:a16="http://schemas.microsoft.com/office/drawing/2014/main" id="{FC67F929-A4E0-49DA-A87A-869BFE4EFE72}"/>
+              </a:ext>
+            </a:extLst>
+          </p:cNvPr>
+          <p:cNvSpPr>
+            <a:spLocks noGrp="1"/>
+          </p:cNvSpPr>
+          <p:nvPr>
+            <p:ph type="title"/>
+          </p:nvPr>
+        </p:nvSpPr>
+        <p:spPr>
+          <a:xfrm>
+            <a:off x="457200" y="-164554"/>
+            <a:ext cx="8229600" cy="857250"/>
+          </a:xfrm>
+        </p:spPr>
+        <p:txBody>
+          <a:bodyPr>
+            <a:normAutofit/>
+          </a:bodyPr>
+          <a:lstStyle/>
+          <a:p>
+            <a:r>
+              <a:rPr lang="en-US" altLang="ko-KR"/>
+              <a:t>Consul</a:t>
+            </a:r>
+            <a:r>
+              <a:rPr lang="ko-KR" altLang="en-US"/>
+              <a:t> </a:t>
+            </a:r>
+            <a:r>
+              <a:rPr lang="en-US" altLang="ko-KR"/>
+              <a:t>Architecture</a:t>
+            </a:r>
+            <a:endParaRPr lang="ko-KR" altLang="en-US"/>
+          </a:p>
+        </p:txBody>
+      </p:sp>
+      <p:sp>
+        <p:nvSpPr>
+          <p:cNvPr id="38" name="사각형: 둥근 모서리 37">
+            <a:extLst>
+              <a:ext uri="{FF2B5EF4-FFF2-40B4-BE49-F238E27FC236}">
+                <a16:creationId xmlns:a16="http://schemas.microsoft.com/office/drawing/2014/main" id="{38A7CEFB-9CF4-4895-9013-690B38A8338F}"/>
+              </a:ext>
+            </a:extLst>
+          </p:cNvPr>
+          <p:cNvSpPr/>
+          <p:nvPr/>
+        </p:nvSpPr>
+        <p:spPr>
+          <a:xfrm>
+            <a:off x="637538" y="699542"/>
+            <a:ext cx="3888218" cy="4104456"/>
+          </a:xfrm>
+          <a:prstGeom prst="roundRect">
+            <a:avLst>
+              <a:gd name="adj" fmla="val 3131"/>
+            </a:avLst>
+          </a:prstGeom>
+          <a:noFill/>
+        </p:spPr>
+        <p:style>
+          <a:lnRef idx="2">
+            <a:schemeClr val="dk1"/>
+          </a:lnRef>
+          <a:fillRef idx="1">
+            <a:schemeClr val="lt1"/>
+          </a:fillRef>
+          <a:effectRef idx="0">
+            <a:schemeClr val="dk1"/>
+          </a:effectRef>
+          <a:fontRef idx="minor">
+            <a:schemeClr val="dk1"/>
+          </a:fontRef>
+        </p:style>
+        <p:txBody>
+          <a:bodyPr rtlCol="0" anchor="b"/>
+          <a:lstStyle/>
+          <a:p>
+            <a:pPr algn="ctr"/>
+            <a:r>
+              <a:rPr lang="en-US" altLang="ko-KR" sz="1400"/>
+              <a:t>Data Center A</a:t>
+            </a:r>
+            <a:endParaRPr lang="ko-KR" altLang="en-US" sz="1400"/>
+          </a:p>
+        </p:txBody>
+      </p:sp>
+      <p:sp>
+        <p:nvSpPr>
+          <p:cNvPr id="17" name="사각형: 둥근 모서리 16">
+            <a:extLst>
+              <a:ext uri="{FF2B5EF4-FFF2-40B4-BE49-F238E27FC236}">
+                <a16:creationId xmlns:a16="http://schemas.microsoft.com/office/drawing/2014/main" id="{4B6619E2-F023-459E-8D44-EE63D2A4FAF3}"/>
+              </a:ext>
+            </a:extLst>
+          </p:cNvPr>
+          <p:cNvSpPr/>
+          <p:nvPr/>
+        </p:nvSpPr>
+        <p:spPr>
+          <a:xfrm>
+            <a:off x="1909187" y="886564"/>
+            <a:ext cx="1389410" cy="689869"/>
+          </a:xfrm>
+          <a:prstGeom prst="roundRect">
+            <a:avLst>
+              <a:gd name="adj" fmla="val 7190"/>
+            </a:avLst>
+          </a:prstGeom>
+        </p:spPr>
+        <p:style>
+          <a:lnRef idx="2">
+            <a:schemeClr val="dk1"/>
+          </a:lnRef>
+          <a:fillRef idx="1">
+            <a:schemeClr val="lt1"/>
+          </a:fillRef>
+          <a:effectRef idx="0">
+            <a:schemeClr val="dk1"/>
+          </a:effectRef>
+          <a:fontRef idx="minor">
+            <a:schemeClr val="dk1"/>
+          </a:fontRef>
+        </p:style>
+        <p:txBody>
+          <a:bodyPr rtlCol="0" anchor="t"/>
+          <a:lstStyle/>
+          <a:p>
+            <a:pPr algn="ctr"/>
+            <a:r>
+              <a:rPr lang="en-US" altLang="ko-KR" sz="1200"/>
+              <a:t>Consul Client A</a:t>
+            </a:r>
+          </a:p>
+        </p:txBody>
+      </p:sp>
+      <p:sp>
+        <p:nvSpPr>
+          <p:cNvPr id="18" name="사각형: 둥근 모서리 17">
+            <a:extLst>
+              <a:ext uri="{FF2B5EF4-FFF2-40B4-BE49-F238E27FC236}">
+                <a16:creationId xmlns:a16="http://schemas.microsoft.com/office/drawing/2014/main" id="{8F97D014-4CB5-4817-8B31-94AD3ADA5B4D}"/>
+              </a:ext>
+            </a:extLst>
+          </p:cNvPr>
+          <p:cNvSpPr/>
+          <p:nvPr/>
+        </p:nvSpPr>
+        <p:spPr>
+          <a:xfrm>
+            <a:off x="2053484" y="1203659"/>
+            <a:ext cx="1100816" cy="289856"/>
+          </a:xfrm>
+          <a:prstGeom prst="roundRect">
+            <a:avLst>
+              <a:gd name="adj" fmla="val 8899"/>
+            </a:avLst>
+          </a:prstGeom>
+        </p:spPr>
+        <p:style>
+          <a:lnRef idx="2">
+            <a:schemeClr val="dk1"/>
+          </a:lnRef>
+          <a:fillRef idx="1">
+            <a:schemeClr val="lt1"/>
+          </a:fillRef>
+          <a:effectRef idx="0">
+            <a:schemeClr val="dk1"/>
+          </a:effectRef>
+          <a:fontRef idx="minor">
+            <a:schemeClr val="dk1"/>
+          </a:fontRef>
+        </p:style>
+        <p:txBody>
+          <a:bodyPr rtlCol="0" anchor="ctr"/>
+          <a:lstStyle/>
+          <a:p>
+            <a:pPr algn="ctr"/>
+            <a:r>
+              <a:rPr lang="en-US" altLang="ko-KR" sz="1100"/>
+              <a:t>Load Balancer</a:t>
+            </a:r>
+          </a:p>
+        </p:txBody>
+      </p:sp>
+      <p:cxnSp>
+        <p:nvCxnSpPr>
+          <p:cNvPr id="24" name="직선 화살표 연결선 23">
+            <a:extLst>
+              <a:ext uri="{FF2B5EF4-FFF2-40B4-BE49-F238E27FC236}">
+                <a16:creationId xmlns:a16="http://schemas.microsoft.com/office/drawing/2014/main" id="{C5E988DD-33B2-4616-9B16-FCA379E80CCA}"/>
+              </a:ext>
+            </a:extLst>
+          </p:cNvPr>
+          <p:cNvCxnSpPr>
+            <a:cxnSpLocks/>
+            <a:stCxn id="18" idx="2"/>
+            <a:endCxn id="13" idx="0"/>
+          </p:cNvCxnSpPr>
+          <p:nvPr/>
+        </p:nvCxnSpPr>
+        <p:spPr>
+          <a:xfrm>
+            <a:off x="2603892" y="1493515"/>
+            <a:ext cx="0" cy="363936"/>
+          </a:xfrm>
+          <a:prstGeom prst="straightConnector1">
+            <a:avLst/>
+          </a:prstGeom>
+          <a:ln w="28575">
+            <a:solidFill>
+              <a:schemeClr val="tx2"/>
+            </a:solidFill>
+            <a:headEnd type="none" w="med" len="med"/>
+            <a:tailEnd type="arrow" w="med" len="med"/>
+          </a:ln>
+        </p:spPr>
+        <p:style>
+          <a:lnRef idx="1">
+            <a:schemeClr val="accent1"/>
+          </a:lnRef>
+          <a:fillRef idx="0">
+            <a:schemeClr val="accent1"/>
+          </a:fillRef>
+          <a:effectRef idx="0">
+            <a:schemeClr val="accent1"/>
+          </a:effectRef>
+          <a:fontRef idx="minor">
+            <a:schemeClr val="tx1"/>
+          </a:fontRef>
+        </p:style>
+      </p:cxnSp>
+      <p:sp>
+        <p:nvSpPr>
+          <p:cNvPr id="35" name="TextBox 34">
+            <a:extLst>
+              <a:ext uri="{FF2B5EF4-FFF2-40B4-BE49-F238E27FC236}">
+                <a16:creationId xmlns:a16="http://schemas.microsoft.com/office/drawing/2014/main" id="{B7EF969C-3F24-425C-9DB5-49947253D97A}"/>
+              </a:ext>
+            </a:extLst>
+          </p:cNvPr>
+          <p:cNvSpPr txBox="1"/>
+          <p:nvPr/>
+        </p:nvSpPr>
+        <p:spPr>
+          <a:xfrm>
+            <a:off x="987276" y="4844690"/>
+            <a:ext cx="2870323" cy="276999"/>
+          </a:xfrm>
+          <a:prstGeom prst="rect">
+            <a:avLst/>
+          </a:prstGeom>
+          <a:noFill/>
+        </p:spPr>
+        <p:txBody>
+          <a:bodyPr wrap="square" rtlCol="0">
+            <a:spAutoFit/>
+          </a:bodyPr>
+          <a:lstStyle/>
+          <a:p>
+            <a:r>
+              <a:rPr lang="en-US" altLang="ko-KR" sz="1200"/>
+              <a:t>Client Request to Local Consul Server</a:t>
+            </a:r>
+          </a:p>
+        </p:txBody>
+      </p:sp>
+      <p:cxnSp>
+        <p:nvCxnSpPr>
+          <p:cNvPr id="36" name="직선 화살표 연결선 35">
+            <a:extLst>
+              <a:ext uri="{FF2B5EF4-FFF2-40B4-BE49-F238E27FC236}">
+                <a16:creationId xmlns:a16="http://schemas.microsoft.com/office/drawing/2014/main" id="{81350FCE-4B9A-4A96-9889-07FC849CCB2C}"/>
+              </a:ext>
+            </a:extLst>
+          </p:cNvPr>
+          <p:cNvCxnSpPr>
+            <a:cxnSpLocks/>
+            <a:endCxn id="35" idx="1"/>
+          </p:cNvCxnSpPr>
+          <p:nvPr/>
+        </p:nvCxnSpPr>
+        <p:spPr>
+          <a:xfrm>
+            <a:off x="755576" y="4983190"/>
+            <a:ext cx="231700" cy="0"/>
+          </a:xfrm>
+          <a:prstGeom prst="straightConnector1">
+            <a:avLst/>
+          </a:prstGeom>
+          <a:ln w="28575">
+            <a:solidFill>
+              <a:schemeClr val="tx2"/>
+            </a:solidFill>
+            <a:headEnd type="none" w="med" len="med"/>
+            <a:tailEnd type="arrow" w="med" len="med"/>
+          </a:ln>
+        </p:spPr>
+        <p:style>
+          <a:lnRef idx="1">
+            <a:schemeClr val="accent1"/>
+          </a:lnRef>
+          <a:fillRef idx="0">
+            <a:schemeClr val="accent1"/>
+          </a:fillRef>
+          <a:effectRef idx="0">
+            <a:schemeClr val="accent1"/>
+          </a:effectRef>
+          <a:fontRef idx="minor">
+            <a:schemeClr val="tx1"/>
+          </a:fontRef>
+        </p:style>
+      </p:cxnSp>
+      <p:sp>
+        <p:nvSpPr>
+          <p:cNvPr id="13" name="사각형: 둥근 모서리 12">
+            <a:extLst>
+              <a:ext uri="{FF2B5EF4-FFF2-40B4-BE49-F238E27FC236}">
+                <a16:creationId xmlns:a16="http://schemas.microsoft.com/office/drawing/2014/main" id="{78B4F8B2-6CEE-4211-B403-8EDA4BFAACE0}"/>
+              </a:ext>
+            </a:extLst>
+          </p:cNvPr>
+          <p:cNvSpPr/>
+          <p:nvPr/>
+        </p:nvSpPr>
+        <p:spPr>
+          <a:xfrm>
+            <a:off x="1909186" y="1857451"/>
+            <a:ext cx="1389412" cy="654979"/>
+          </a:xfrm>
+          <a:prstGeom prst="roundRect">
+            <a:avLst>
+              <a:gd name="adj" fmla="val 7190"/>
+            </a:avLst>
+          </a:prstGeom>
+        </p:spPr>
+        <p:style>
+          <a:lnRef idx="2">
+            <a:schemeClr val="dk1"/>
+          </a:lnRef>
+          <a:fillRef idx="1">
+            <a:schemeClr val="lt1"/>
+          </a:fillRef>
+          <a:effectRef idx="0">
+            <a:schemeClr val="dk1"/>
+          </a:effectRef>
+          <a:fontRef idx="minor">
+            <a:schemeClr val="dk1"/>
+          </a:fontRef>
+        </p:style>
+        <p:txBody>
+          <a:bodyPr rtlCol="0" anchor="ctr"/>
+          <a:lstStyle/>
+          <a:p>
+            <a:pPr algn="ctr"/>
+            <a:r>
+              <a:rPr lang="en-US" altLang="ko-KR" sz="1200"/>
+              <a:t> Leader</a:t>
+            </a:r>
+          </a:p>
+          <a:p>
+            <a:pPr algn="ctr"/>
+            <a:endParaRPr lang="en-US" altLang="ko-KR" sz="1200"/>
+          </a:p>
+          <a:p>
+            <a:pPr algn="ctr"/>
+            <a:r>
+              <a:rPr lang="en-US" altLang="ko-KR" sz="1200"/>
+              <a:t>Consul Server A</a:t>
+            </a:r>
+          </a:p>
+        </p:txBody>
+      </p:sp>
+      <p:sp>
+        <p:nvSpPr>
+          <p:cNvPr id="15" name="사각형: 둥근 모서리 14">
+            <a:extLst>
+              <a:ext uri="{FF2B5EF4-FFF2-40B4-BE49-F238E27FC236}">
+                <a16:creationId xmlns:a16="http://schemas.microsoft.com/office/drawing/2014/main" id="{79AA07FE-AA08-4CA1-9DEE-ED9A74A991BE}"/>
+              </a:ext>
+            </a:extLst>
+          </p:cNvPr>
+          <p:cNvSpPr/>
+          <p:nvPr/>
+        </p:nvSpPr>
+        <p:spPr>
+          <a:xfrm>
+            <a:off x="979614" y="2865341"/>
+            <a:ext cx="1389412" cy="654979"/>
+          </a:xfrm>
+          <a:prstGeom prst="roundRect">
+            <a:avLst>
+              <a:gd name="adj" fmla="val 7190"/>
+            </a:avLst>
+          </a:prstGeom>
+        </p:spPr>
+        <p:style>
+          <a:lnRef idx="2">
+            <a:schemeClr val="dk1"/>
+          </a:lnRef>
+          <a:fillRef idx="1">
+            <a:schemeClr val="lt1"/>
+          </a:fillRef>
+          <a:effectRef idx="0">
+            <a:schemeClr val="dk1"/>
+          </a:effectRef>
+          <a:fontRef idx="minor">
+            <a:schemeClr val="dk1"/>
+          </a:fontRef>
+        </p:style>
+        <p:txBody>
+          <a:bodyPr rtlCol="0" anchor="ctr"/>
+          <a:lstStyle/>
+          <a:p>
+            <a:pPr algn="ctr"/>
+            <a:r>
+              <a:rPr lang="en-US" altLang="ko-KR" sz="1200"/>
+              <a:t>Follower</a:t>
+            </a:r>
+          </a:p>
+          <a:p>
+            <a:pPr algn="ctr"/>
+            <a:endParaRPr lang="en-US" altLang="ko-KR" sz="1200"/>
+          </a:p>
+          <a:p>
+            <a:pPr algn="ctr"/>
+            <a:r>
+              <a:rPr lang="en-US" altLang="ko-KR" sz="1200"/>
+              <a:t>Consul Server B</a:t>
+            </a:r>
+          </a:p>
+        </p:txBody>
+      </p:sp>
+      <p:sp>
+        <p:nvSpPr>
+          <p:cNvPr id="16" name="사각형: 둥근 모서리 15">
+            <a:extLst>
+              <a:ext uri="{FF2B5EF4-FFF2-40B4-BE49-F238E27FC236}">
+                <a16:creationId xmlns:a16="http://schemas.microsoft.com/office/drawing/2014/main" id="{AE76300F-29A8-482E-92E3-739716721982}"/>
+              </a:ext>
+            </a:extLst>
+          </p:cNvPr>
+          <p:cNvSpPr/>
+          <p:nvPr/>
+        </p:nvSpPr>
+        <p:spPr>
+          <a:xfrm>
+            <a:off x="2831037" y="2865341"/>
+            <a:ext cx="1389412" cy="654979"/>
+          </a:xfrm>
+          <a:prstGeom prst="roundRect">
+            <a:avLst>
+              <a:gd name="adj" fmla="val 7190"/>
+            </a:avLst>
+          </a:prstGeom>
+        </p:spPr>
+        <p:style>
+          <a:lnRef idx="2">
+            <a:schemeClr val="dk1"/>
+          </a:lnRef>
+          <a:fillRef idx="1">
+            <a:schemeClr val="lt1"/>
+          </a:fillRef>
+          <a:effectRef idx="0">
+            <a:schemeClr val="dk1"/>
+          </a:effectRef>
+          <a:fontRef idx="minor">
+            <a:schemeClr val="dk1"/>
+          </a:fontRef>
+        </p:style>
+        <p:txBody>
+          <a:bodyPr rtlCol="0" anchor="ctr"/>
+          <a:lstStyle/>
+          <a:p>
+            <a:pPr algn="ctr"/>
+            <a:r>
+              <a:rPr lang="en-US" altLang="ko-KR" sz="1200"/>
+              <a:t>Follower</a:t>
+            </a:r>
+          </a:p>
+          <a:p>
+            <a:pPr algn="ctr"/>
+            <a:endParaRPr lang="en-US" altLang="ko-KR" sz="1200"/>
+          </a:p>
+          <a:p>
+            <a:pPr algn="ctr"/>
+            <a:r>
+              <a:rPr lang="en-US" altLang="ko-KR" sz="1200"/>
+              <a:t>Consul Server C</a:t>
+            </a:r>
+          </a:p>
+        </p:txBody>
+      </p:sp>
+      <p:cxnSp>
+        <p:nvCxnSpPr>
+          <p:cNvPr id="21" name="직선 화살표 연결선 20">
+            <a:extLst>
+              <a:ext uri="{FF2B5EF4-FFF2-40B4-BE49-F238E27FC236}">
+                <a16:creationId xmlns:a16="http://schemas.microsoft.com/office/drawing/2014/main" id="{31FD8F63-E8EF-43CB-8A99-6817BC66AED1}"/>
+              </a:ext>
+            </a:extLst>
+          </p:cNvPr>
+          <p:cNvCxnSpPr>
+            <a:cxnSpLocks/>
+            <a:stCxn id="15" idx="3"/>
+            <a:endCxn id="13" idx="2"/>
+          </p:cNvCxnSpPr>
+          <p:nvPr/>
+        </p:nvCxnSpPr>
+        <p:spPr>
+          <a:xfrm flipV="1">
+            <a:off x="2369026" y="2512430"/>
+            <a:ext cx="234866" cy="680401"/>
+          </a:xfrm>
+          <a:prstGeom prst="straightConnector1">
+            <a:avLst/>
+          </a:prstGeom>
+          <a:ln w="28575">
+            <a:solidFill>
+              <a:schemeClr val="tx2"/>
+            </a:solidFill>
+            <a:headEnd type="none" w="med" len="med"/>
+            <a:tailEnd type="arrow" w="med" len="med"/>
+          </a:ln>
+        </p:spPr>
+        <p:style>
+          <a:lnRef idx="1">
+            <a:schemeClr val="accent1"/>
+          </a:lnRef>
+          <a:fillRef idx="0">
+            <a:schemeClr val="accent1"/>
+          </a:fillRef>
+          <a:effectRef idx="0">
+            <a:schemeClr val="accent1"/>
+          </a:effectRef>
+          <a:fontRef idx="minor">
+            <a:schemeClr val="tx1"/>
+          </a:fontRef>
+        </p:style>
+      </p:cxnSp>
+      <p:cxnSp>
+        <p:nvCxnSpPr>
+          <p:cNvPr id="23" name="직선 화살표 연결선 22">
+            <a:extLst>
+              <a:ext uri="{FF2B5EF4-FFF2-40B4-BE49-F238E27FC236}">
+                <a16:creationId xmlns:a16="http://schemas.microsoft.com/office/drawing/2014/main" id="{3649B4F1-A9E4-406B-81CB-0EF7E8AD786A}"/>
+              </a:ext>
+            </a:extLst>
+          </p:cNvPr>
+          <p:cNvCxnSpPr>
+            <a:cxnSpLocks/>
+            <a:stCxn id="16" idx="1"/>
+            <a:endCxn id="13" idx="2"/>
+          </p:cNvCxnSpPr>
+          <p:nvPr/>
+        </p:nvCxnSpPr>
+        <p:spPr>
+          <a:xfrm flipH="1" flipV="1">
+            <a:off x="2603892" y="2512430"/>
+            <a:ext cx="227145" cy="680401"/>
+          </a:xfrm>
+          <a:prstGeom prst="straightConnector1">
+            <a:avLst/>
+          </a:prstGeom>
+          <a:ln w="28575">
+            <a:solidFill>
+              <a:schemeClr val="tx2"/>
+            </a:solidFill>
+            <a:headEnd type="none" w="med" len="med"/>
+            <a:tailEnd type="arrow" w="med" len="med"/>
+          </a:ln>
+        </p:spPr>
+        <p:style>
+          <a:lnRef idx="1">
+            <a:schemeClr val="accent1"/>
+          </a:lnRef>
+          <a:fillRef idx="0">
+            <a:schemeClr val="accent1"/>
+          </a:fillRef>
+          <a:effectRef idx="0">
+            <a:schemeClr val="accent1"/>
+          </a:effectRef>
+          <a:fontRef idx="minor">
+            <a:schemeClr val="tx1"/>
+          </a:fontRef>
+        </p:style>
+      </p:cxnSp>
+      <p:sp>
+        <p:nvSpPr>
+          <p:cNvPr id="51" name="사각형: 둥근 모서리 50">
+            <a:extLst>
+              <a:ext uri="{FF2B5EF4-FFF2-40B4-BE49-F238E27FC236}">
+                <a16:creationId xmlns:a16="http://schemas.microsoft.com/office/drawing/2014/main" id="{4401FFED-15E7-45DF-9B1B-22C3AFD00F4F}"/>
+              </a:ext>
+            </a:extLst>
+          </p:cNvPr>
+          <p:cNvSpPr/>
+          <p:nvPr/>
+        </p:nvSpPr>
+        <p:spPr>
+          <a:xfrm>
+            <a:off x="898908" y="1764119"/>
+            <a:ext cx="3394737" cy="2044234"/>
+          </a:xfrm>
+          <a:prstGeom prst="roundRect">
+            <a:avLst>
+              <a:gd name="adj" fmla="val 3943"/>
+            </a:avLst>
+          </a:prstGeom>
+          <a:noFill/>
+          <a:ln>
+            <a:solidFill>
+              <a:schemeClr val="tx2"/>
+            </a:solidFill>
+            <a:prstDash val="dash"/>
+          </a:ln>
+        </p:spPr>
+        <p:style>
+          <a:lnRef idx="2">
+            <a:schemeClr val="dk1"/>
+          </a:lnRef>
+          <a:fillRef idx="1">
+            <a:schemeClr val="lt1"/>
+          </a:fillRef>
+          <a:effectRef idx="0">
+            <a:schemeClr val="dk1"/>
+          </a:effectRef>
+          <a:fontRef idx="minor">
+            <a:schemeClr val="dk1"/>
+          </a:fontRef>
+        </p:style>
+        <p:txBody>
+          <a:bodyPr rtlCol="0" anchor="b"/>
+          <a:lstStyle/>
+          <a:p>
+            <a:r>
+              <a:rPr lang="en-US" altLang="ko-KR" sz="1200">
+                <a:solidFill>
+                  <a:schemeClr val="tx2"/>
+                </a:solidFill>
+              </a:rPr>
+              <a:t>Raft Algorithm</a:t>
+            </a:r>
+            <a:endParaRPr lang="ko-KR" altLang="en-US" sz="1200">
+              <a:solidFill>
+                <a:schemeClr val="tx2"/>
+              </a:solidFill>
+            </a:endParaRPr>
+          </a:p>
+        </p:txBody>
+      </p:sp>
+      <p:sp>
+        <p:nvSpPr>
+          <p:cNvPr id="52" name="사각형: 둥근 모서리 51">
+            <a:extLst>
+              <a:ext uri="{FF2B5EF4-FFF2-40B4-BE49-F238E27FC236}">
+                <a16:creationId xmlns:a16="http://schemas.microsoft.com/office/drawing/2014/main" id="{7406C6B6-CEC5-48C0-883D-E35D9A88598C}"/>
+              </a:ext>
+            </a:extLst>
+          </p:cNvPr>
+          <p:cNvSpPr/>
+          <p:nvPr/>
+        </p:nvSpPr>
+        <p:spPr>
+          <a:xfrm>
+            <a:off x="813663" y="801317"/>
+            <a:ext cx="3580569" cy="3354609"/>
+          </a:xfrm>
+          <a:prstGeom prst="roundRect">
+            <a:avLst>
+              <a:gd name="adj" fmla="val 4106"/>
+            </a:avLst>
+          </a:prstGeom>
+          <a:noFill/>
+          <a:ln>
+            <a:solidFill>
+              <a:srgbClr val="C00000"/>
+            </a:solidFill>
+            <a:prstDash val="dash"/>
+          </a:ln>
+        </p:spPr>
+        <p:style>
+          <a:lnRef idx="2">
+            <a:schemeClr val="dk1"/>
+          </a:lnRef>
+          <a:fillRef idx="1">
+            <a:schemeClr val="lt1"/>
+          </a:fillRef>
+          <a:effectRef idx="0">
+            <a:schemeClr val="dk1"/>
+          </a:effectRef>
+          <a:fontRef idx="minor">
+            <a:schemeClr val="dk1"/>
+          </a:fontRef>
+        </p:style>
+        <p:txBody>
+          <a:bodyPr rtlCol="0" anchor="b"/>
+          <a:lstStyle/>
+          <a:p>
+            <a:r>
+              <a:rPr lang="en-US" altLang="ko-KR" sz="1200">
+                <a:solidFill>
+                  <a:srgbClr val="C00000"/>
+                </a:solidFill>
+              </a:rPr>
+              <a:t>LAN gossip Pool</a:t>
+            </a:r>
+            <a:endParaRPr lang="ko-KR" altLang="en-US" sz="1200">
+              <a:solidFill>
+                <a:srgbClr val="C00000"/>
+              </a:solidFill>
+            </a:endParaRPr>
+          </a:p>
+        </p:txBody>
+      </p:sp>
+      <p:sp>
+        <p:nvSpPr>
+          <p:cNvPr id="54" name="사각형: 둥근 모서리 53">
+            <a:extLst>
+              <a:ext uri="{FF2B5EF4-FFF2-40B4-BE49-F238E27FC236}">
+                <a16:creationId xmlns:a16="http://schemas.microsoft.com/office/drawing/2014/main" id="{E7AED46C-164C-468A-9B49-829E0F003FE6}"/>
+              </a:ext>
+            </a:extLst>
+          </p:cNvPr>
+          <p:cNvSpPr/>
+          <p:nvPr/>
+        </p:nvSpPr>
+        <p:spPr>
+          <a:xfrm>
+            <a:off x="724952" y="1669730"/>
+            <a:ext cx="7786048" cy="2776051"/>
+          </a:xfrm>
+          <a:prstGeom prst="roundRect">
+            <a:avLst>
+              <a:gd name="adj" fmla="val 2896"/>
+            </a:avLst>
+          </a:prstGeom>
+          <a:noFill/>
+          <a:ln>
+            <a:prstDash val="dash"/>
+          </a:ln>
+        </p:spPr>
+        <p:style>
+          <a:lnRef idx="2">
+            <a:schemeClr val="dk1"/>
+          </a:lnRef>
+          <a:fillRef idx="1">
+            <a:schemeClr val="lt1"/>
+          </a:fillRef>
+          <a:effectRef idx="0">
+            <a:schemeClr val="dk1"/>
+          </a:effectRef>
+          <a:fontRef idx="minor">
+            <a:schemeClr val="dk1"/>
+          </a:fontRef>
+        </p:style>
+        <p:txBody>
+          <a:bodyPr rtlCol="0" anchor="b"/>
+          <a:lstStyle/>
+          <a:p>
+            <a:r>
+              <a:rPr lang="en-US" altLang="ko-KR" sz="1200"/>
+              <a:t>WAN gossip Pool</a:t>
+            </a:r>
+            <a:endParaRPr lang="ko-KR" altLang="en-US" sz="1200"/>
+          </a:p>
+        </p:txBody>
+      </p:sp>
+      <p:cxnSp>
+        <p:nvCxnSpPr>
+          <p:cNvPr id="22" name="직선 화살표 연결선 21">
+            <a:extLst>
+              <a:ext uri="{FF2B5EF4-FFF2-40B4-BE49-F238E27FC236}">
+                <a16:creationId xmlns:a16="http://schemas.microsoft.com/office/drawing/2014/main" id="{569AD3EC-9300-4FF9-9C25-D27EF5F94C2F}"/>
+              </a:ext>
+            </a:extLst>
+          </p:cNvPr>
+          <p:cNvCxnSpPr>
+            <a:cxnSpLocks/>
+            <a:stCxn id="18" idx="2"/>
+            <a:endCxn id="16" idx="0"/>
+          </p:cNvCxnSpPr>
+          <p:nvPr/>
+        </p:nvCxnSpPr>
+        <p:spPr>
+          <a:xfrm>
+            <a:off x="2603892" y="1493515"/>
+            <a:ext cx="921851" cy="1371826"/>
+          </a:xfrm>
+          <a:prstGeom prst="straightConnector1">
+            <a:avLst/>
+          </a:prstGeom>
+          <a:ln w="28575">
+            <a:solidFill>
+              <a:schemeClr val="tx2"/>
+            </a:solidFill>
+            <a:headEnd type="none" w="med" len="med"/>
+            <a:tailEnd type="arrow" w="med" len="med"/>
+          </a:ln>
+        </p:spPr>
+        <p:style>
+          <a:lnRef idx="1">
+            <a:schemeClr val="accent1"/>
+          </a:lnRef>
+          <a:fillRef idx="0">
+            <a:schemeClr val="accent1"/>
+          </a:fillRef>
+          <a:effectRef idx="0">
+            <a:schemeClr val="accent1"/>
+          </a:effectRef>
+          <a:fontRef idx="minor">
+            <a:schemeClr val="tx1"/>
+          </a:fontRef>
+        </p:style>
+      </p:cxnSp>
+      <p:cxnSp>
+        <p:nvCxnSpPr>
+          <p:cNvPr id="10" name="직선 화살표 연결선 9">
+            <a:extLst>
+              <a:ext uri="{FF2B5EF4-FFF2-40B4-BE49-F238E27FC236}">
+                <a16:creationId xmlns:a16="http://schemas.microsoft.com/office/drawing/2014/main" id="{354CDA1A-17B6-4816-B8EE-019A1436DCBD}"/>
+              </a:ext>
+            </a:extLst>
+          </p:cNvPr>
+          <p:cNvCxnSpPr>
+            <a:cxnSpLocks/>
+            <a:stCxn id="18" idx="2"/>
+            <a:endCxn id="15" idx="0"/>
+          </p:cNvCxnSpPr>
+          <p:nvPr/>
+        </p:nvCxnSpPr>
+        <p:spPr>
+          <a:xfrm flipH="1">
+            <a:off x="1674320" y="1493515"/>
+            <a:ext cx="929572" cy="1371826"/>
+          </a:xfrm>
+          <a:prstGeom prst="straightConnector1">
+            <a:avLst/>
+          </a:prstGeom>
+          <a:ln w="28575">
+            <a:solidFill>
+              <a:schemeClr val="tx2"/>
+            </a:solidFill>
+            <a:headEnd type="none" w="med" len="med"/>
+            <a:tailEnd type="arrow" w="med" len="med"/>
+          </a:ln>
+        </p:spPr>
+        <p:style>
+          <a:lnRef idx="1">
+            <a:schemeClr val="accent1"/>
+          </a:lnRef>
+          <a:fillRef idx="0">
+            <a:schemeClr val="accent1"/>
+          </a:fillRef>
+          <a:effectRef idx="0">
+            <a:schemeClr val="accent1"/>
+          </a:effectRef>
+          <a:fontRef idx="minor">
+            <a:schemeClr val="tx1"/>
+          </a:fontRef>
+        </p:style>
+      </p:cxnSp>
+      <p:sp>
+        <p:nvSpPr>
+          <p:cNvPr id="100" name="사각형: 둥근 모서리 99">
+            <a:extLst>
+              <a:ext uri="{FF2B5EF4-FFF2-40B4-BE49-F238E27FC236}">
+                <a16:creationId xmlns:a16="http://schemas.microsoft.com/office/drawing/2014/main" id="{663A6FAF-1425-4418-802F-3BD925B61239}"/>
+              </a:ext>
+            </a:extLst>
+          </p:cNvPr>
+          <p:cNvSpPr/>
+          <p:nvPr/>
+        </p:nvSpPr>
+        <p:spPr>
+          <a:xfrm>
+            <a:off x="5922890" y="886564"/>
+            <a:ext cx="1389410" cy="689869"/>
+          </a:xfrm>
+          <a:prstGeom prst="roundRect">
+            <a:avLst>
+              <a:gd name="adj" fmla="val 7190"/>
+            </a:avLst>
+          </a:prstGeom>
+        </p:spPr>
+        <p:style>
+          <a:lnRef idx="2">
+            <a:schemeClr val="dk1"/>
+          </a:lnRef>
+          <a:fillRef idx="1">
+            <a:schemeClr val="lt1"/>
+          </a:fillRef>
+          <a:effectRef idx="0">
+            <a:schemeClr val="dk1"/>
+          </a:effectRef>
+          <a:fontRef idx="minor">
+            <a:schemeClr val="dk1"/>
+          </a:fontRef>
+        </p:style>
+        <p:txBody>
+          <a:bodyPr rtlCol="0" anchor="t"/>
+          <a:lstStyle/>
+          <a:p>
+            <a:pPr algn="ctr"/>
+            <a:r>
+              <a:rPr lang="en-US" altLang="ko-KR" sz="1200"/>
+              <a:t>Consul Client B</a:t>
+            </a:r>
+          </a:p>
+        </p:txBody>
+      </p:sp>
+      <p:sp>
+        <p:nvSpPr>
+          <p:cNvPr id="101" name="사각형: 둥근 모서리 100">
+            <a:extLst>
+              <a:ext uri="{FF2B5EF4-FFF2-40B4-BE49-F238E27FC236}">
+                <a16:creationId xmlns:a16="http://schemas.microsoft.com/office/drawing/2014/main" id="{76F52EA0-6C76-498F-9FD9-E615C33737AB}"/>
+              </a:ext>
+            </a:extLst>
+          </p:cNvPr>
+          <p:cNvSpPr/>
+          <p:nvPr/>
+        </p:nvSpPr>
+        <p:spPr>
+          <a:xfrm>
+            <a:off x="6067187" y="1203659"/>
+            <a:ext cx="1100816" cy="289856"/>
+          </a:xfrm>
+          <a:prstGeom prst="roundRect">
+            <a:avLst>
+              <a:gd name="adj" fmla="val 8899"/>
+            </a:avLst>
+          </a:prstGeom>
+        </p:spPr>
+        <p:style>
+          <a:lnRef idx="2">
+            <a:schemeClr val="dk1"/>
+          </a:lnRef>
+          <a:fillRef idx="1">
+            <a:schemeClr val="lt1"/>
+          </a:fillRef>
+          <a:effectRef idx="0">
+            <a:schemeClr val="dk1"/>
+          </a:effectRef>
+          <a:fontRef idx="minor">
+            <a:schemeClr val="dk1"/>
+          </a:fontRef>
+        </p:style>
+        <p:txBody>
+          <a:bodyPr rtlCol="0" anchor="ctr"/>
+          <a:lstStyle/>
+          <a:p>
+            <a:pPr algn="ctr"/>
+            <a:r>
+              <a:rPr lang="en-US" altLang="ko-KR" sz="1100"/>
+              <a:t>Load Balancer</a:t>
+            </a:r>
+          </a:p>
+        </p:txBody>
+      </p:sp>
+      <p:sp>
+        <p:nvSpPr>
+          <p:cNvPr id="103" name="사각형: 둥근 모서리 102">
+            <a:extLst>
+              <a:ext uri="{FF2B5EF4-FFF2-40B4-BE49-F238E27FC236}">
+                <a16:creationId xmlns:a16="http://schemas.microsoft.com/office/drawing/2014/main" id="{DE9840BB-25AD-4241-8A7A-CF202546364B}"/>
+              </a:ext>
+            </a:extLst>
+          </p:cNvPr>
+          <p:cNvSpPr/>
+          <p:nvPr/>
+        </p:nvSpPr>
+        <p:spPr>
+          <a:xfrm>
+            <a:off x="5922889" y="1857451"/>
+            <a:ext cx="1389412" cy="654979"/>
+          </a:xfrm>
+          <a:prstGeom prst="roundRect">
+            <a:avLst>
+              <a:gd name="adj" fmla="val 7190"/>
+            </a:avLst>
+          </a:prstGeom>
+        </p:spPr>
+        <p:style>
+          <a:lnRef idx="2">
+            <a:schemeClr val="dk1"/>
+          </a:lnRef>
+          <a:fillRef idx="1">
+            <a:schemeClr val="lt1"/>
+          </a:fillRef>
+          <a:effectRef idx="0">
+            <a:schemeClr val="dk1"/>
+          </a:effectRef>
+          <a:fontRef idx="minor">
+            <a:schemeClr val="dk1"/>
+          </a:fontRef>
+        </p:style>
+        <p:txBody>
+          <a:bodyPr rtlCol="0" anchor="ctr"/>
+          <a:lstStyle/>
+          <a:p>
+            <a:pPr algn="ctr"/>
+            <a:r>
+              <a:rPr lang="en-US" altLang="ko-KR" sz="1200"/>
+              <a:t> Leader</a:t>
+            </a:r>
+          </a:p>
+          <a:p>
+            <a:pPr algn="ctr"/>
+            <a:endParaRPr lang="en-US" altLang="ko-KR" sz="1200"/>
+          </a:p>
+          <a:p>
+            <a:pPr algn="ctr"/>
+            <a:r>
+              <a:rPr lang="en-US" altLang="ko-KR" sz="1200"/>
+              <a:t>Consul Server D</a:t>
+            </a:r>
+          </a:p>
+        </p:txBody>
+      </p:sp>
+      <p:sp>
+        <p:nvSpPr>
+          <p:cNvPr id="104" name="사각형: 둥근 모서리 103">
+            <a:extLst>
+              <a:ext uri="{FF2B5EF4-FFF2-40B4-BE49-F238E27FC236}">
+                <a16:creationId xmlns:a16="http://schemas.microsoft.com/office/drawing/2014/main" id="{773123AF-9D51-42BA-A578-A22B06004951}"/>
+              </a:ext>
+            </a:extLst>
+          </p:cNvPr>
+          <p:cNvSpPr/>
+          <p:nvPr/>
+        </p:nvSpPr>
+        <p:spPr>
+          <a:xfrm>
+            <a:off x="4993317" y="2865341"/>
+            <a:ext cx="1389412" cy="654979"/>
+          </a:xfrm>
+          <a:prstGeom prst="roundRect">
+            <a:avLst>
+              <a:gd name="adj" fmla="val 7190"/>
+            </a:avLst>
+          </a:prstGeom>
+        </p:spPr>
+        <p:style>
+          <a:lnRef idx="2">
+            <a:schemeClr val="dk1"/>
+          </a:lnRef>
+          <a:fillRef idx="1">
+            <a:schemeClr val="lt1"/>
+          </a:fillRef>
+          <a:effectRef idx="0">
+            <a:schemeClr val="dk1"/>
+          </a:effectRef>
+          <a:fontRef idx="minor">
+            <a:schemeClr val="dk1"/>
+          </a:fontRef>
+        </p:style>
+        <p:txBody>
+          <a:bodyPr rtlCol="0" anchor="ctr"/>
+          <a:lstStyle/>
+          <a:p>
+            <a:pPr algn="ctr"/>
+            <a:r>
+              <a:rPr lang="en-US" altLang="ko-KR" sz="1200"/>
+              <a:t>Follower</a:t>
+            </a:r>
+          </a:p>
+          <a:p>
+            <a:pPr algn="ctr"/>
+            <a:endParaRPr lang="en-US" altLang="ko-KR" sz="1200"/>
+          </a:p>
+          <a:p>
+            <a:pPr algn="ctr"/>
+            <a:r>
+              <a:rPr lang="en-US" altLang="ko-KR" sz="1200"/>
+              <a:t>Consul Server E</a:t>
+            </a:r>
+          </a:p>
+        </p:txBody>
+      </p:sp>
+      <p:sp>
+        <p:nvSpPr>
+          <p:cNvPr id="105" name="사각형: 둥근 모서리 104">
+            <a:extLst>
+              <a:ext uri="{FF2B5EF4-FFF2-40B4-BE49-F238E27FC236}">
+                <a16:creationId xmlns:a16="http://schemas.microsoft.com/office/drawing/2014/main" id="{6B6EA513-A57B-43DE-A447-1BFF87B99D99}"/>
+              </a:ext>
+            </a:extLst>
+          </p:cNvPr>
+          <p:cNvSpPr/>
+          <p:nvPr/>
+        </p:nvSpPr>
+        <p:spPr>
+          <a:xfrm>
+            <a:off x="6844740" y="2865341"/>
+            <a:ext cx="1389412" cy="654979"/>
+          </a:xfrm>
+          <a:prstGeom prst="roundRect">
+            <a:avLst>
+              <a:gd name="adj" fmla="val 7190"/>
+            </a:avLst>
+          </a:prstGeom>
+        </p:spPr>
+        <p:style>
+          <a:lnRef idx="2">
+            <a:schemeClr val="dk1"/>
+          </a:lnRef>
+          <a:fillRef idx="1">
+            <a:schemeClr val="lt1"/>
+          </a:fillRef>
+          <a:effectRef idx="0">
+            <a:schemeClr val="dk1"/>
+          </a:effectRef>
+          <a:fontRef idx="minor">
+            <a:schemeClr val="dk1"/>
+          </a:fontRef>
+        </p:style>
+        <p:txBody>
+          <a:bodyPr rtlCol="0" anchor="ctr"/>
+          <a:lstStyle/>
+          <a:p>
+            <a:pPr algn="ctr"/>
+            <a:r>
+              <a:rPr lang="en-US" altLang="ko-KR" sz="1200"/>
+              <a:t>Follower</a:t>
+            </a:r>
+          </a:p>
+          <a:p>
+            <a:pPr algn="ctr"/>
+            <a:endParaRPr lang="en-US" altLang="ko-KR" sz="1200"/>
+          </a:p>
+          <a:p>
+            <a:pPr algn="ctr"/>
+            <a:r>
+              <a:rPr lang="en-US" altLang="ko-KR" sz="1200"/>
+              <a:t>Consul Server F</a:t>
+            </a:r>
+          </a:p>
+        </p:txBody>
+      </p:sp>
+      <p:cxnSp>
+        <p:nvCxnSpPr>
+          <p:cNvPr id="108" name="직선 화살표 연결선 107">
+            <a:extLst>
+              <a:ext uri="{FF2B5EF4-FFF2-40B4-BE49-F238E27FC236}">
+                <a16:creationId xmlns:a16="http://schemas.microsoft.com/office/drawing/2014/main" id="{99C28A46-464D-4146-B5C7-353B3373876B}"/>
+              </a:ext>
+            </a:extLst>
+          </p:cNvPr>
+          <p:cNvCxnSpPr>
+            <a:cxnSpLocks/>
+            <a:stCxn id="104" idx="3"/>
+            <a:endCxn id="103" idx="2"/>
+          </p:cNvCxnSpPr>
+          <p:nvPr/>
+        </p:nvCxnSpPr>
+        <p:spPr>
+          <a:xfrm flipV="1">
+            <a:off x="6382729" y="2512430"/>
+            <a:ext cx="234866" cy="680401"/>
+          </a:xfrm>
+          <a:prstGeom prst="straightConnector1">
+            <a:avLst/>
+          </a:prstGeom>
+          <a:ln w="28575">
+            <a:solidFill>
+              <a:srgbClr val="C00000"/>
+            </a:solidFill>
+            <a:headEnd type="none" w="med" len="med"/>
+            <a:tailEnd type="arrow" w="med" len="med"/>
+          </a:ln>
+        </p:spPr>
+        <p:style>
+          <a:lnRef idx="1">
+            <a:schemeClr val="accent1"/>
+          </a:lnRef>
+          <a:fillRef idx="0">
+            <a:schemeClr val="accent1"/>
+          </a:fillRef>
+          <a:effectRef idx="0">
+            <a:schemeClr val="accent1"/>
+          </a:effectRef>
+          <a:fontRef idx="minor">
+            <a:schemeClr val="tx1"/>
+          </a:fontRef>
+        </p:style>
+      </p:cxnSp>
+      <p:sp>
+        <p:nvSpPr>
+          <p:cNvPr id="110" name="사각형: 둥근 모서리 109">
+            <a:extLst>
+              <a:ext uri="{FF2B5EF4-FFF2-40B4-BE49-F238E27FC236}">
+                <a16:creationId xmlns:a16="http://schemas.microsoft.com/office/drawing/2014/main" id="{D9FE1B58-6143-43D0-AAD0-4200C783A259}"/>
+              </a:ext>
+            </a:extLst>
+          </p:cNvPr>
+          <p:cNvSpPr/>
+          <p:nvPr/>
+        </p:nvSpPr>
+        <p:spPr>
+          <a:xfrm>
+            <a:off x="4912611" y="1764119"/>
+            <a:ext cx="3394737" cy="2044234"/>
+          </a:xfrm>
+          <a:prstGeom prst="roundRect">
+            <a:avLst>
+              <a:gd name="adj" fmla="val 3943"/>
+            </a:avLst>
+          </a:prstGeom>
+          <a:noFill/>
+          <a:ln>
+            <a:solidFill>
+              <a:schemeClr val="tx2"/>
+            </a:solidFill>
+            <a:prstDash val="dash"/>
+          </a:ln>
+        </p:spPr>
+        <p:style>
+          <a:lnRef idx="2">
+            <a:schemeClr val="dk1"/>
+          </a:lnRef>
+          <a:fillRef idx="1">
+            <a:schemeClr val="lt1"/>
+          </a:fillRef>
+          <a:effectRef idx="0">
+            <a:schemeClr val="dk1"/>
+          </a:effectRef>
+          <a:fontRef idx="minor">
+            <a:schemeClr val="dk1"/>
+          </a:fontRef>
+        </p:style>
+        <p:txBody>
+          <a:bodyPr rtlCol="0" anchor="b"/>
+          <a:lstStyle/>
+          <a:p>
+            <a:r>
+              <a:rPr lang="en-US" altLang="ko-KR" sz="1200">
+                <a:solidFill>
+                  <a:schemeClr val="tx2"/>
+                </a:solidFill>
+              </a:rPr>
+              <a:t>Raft Algorithm</a:t>
+            </a:r>
+            <a:endParaRPr lang="ko-KR" altLang="en-US" sz="1200">
+              <a:solidFill>
+                <a:schemeClr val="tx2"/>
+              </a:solidFill>
+            </a:endParaRPr>
+          </a:p>
+        </p:txBody>
+      </p:sp>
+      <p:sp>
+        <p:nvSpPr>
+          <p:cNvPr id="111" name="사각형: 둥근 모서리 110">
+            <a:extLst>
+              <a:ext uri="{FF2B5EF4-FFF2-40B4-BE49-F238E27FC236}">
+                <a16:creationId xmlns:a16="http://schemas.microsoft.com/office/drawing/2014/main" id="{BBF70E94-E291-431F-982C-1F493F386D09}"/>
+              </a:ext>
+            </a:extLst>
+          </p:cNvPr>
+          <p:cNvSpPr/>
+          <p:nvPr/>
+        </p:nvSpPr>
+        <p:spPr>
+          <a:xfrm>
+            <a:off x="4827366" y="801317"/>
+            <a:ext cx="3580569" cy="3354609"/>
+          </a:xfrm>
+          <a:prstGeom prst="roundRect">
+            <a:avLst>
+              <a:gd name="adj" fmla="val 4106"/>
+            </a:avLst>
+          </a:prstGeom>
+          <a:noFill/>
+          <a:ln>
+            <a:solidFill>
+              <a:srgbClr val="C00000"/>
+            </a:solidFill>
+            <a:prstDash val="dash"/>
+          </a:ln>
+        </p:spPr>
+        <p:style>
+          <a:lnRef idx="2">
+            <a:schemeClr val="dk1"/>
+          </a:lnRef>
+          <a:fillRef idx="1">
+            <a:schemeClr val="lt1"/>
+          </a:fillRef>
+          <a:effectRef idx="0">
+            <a:schemeClr val="dk1"/>
+          </a:effectRef>
+          <a:fontRef idx="minor">
+            <a:schemeClr val="dk1"/>
+          </a:fontRef>
+        </p:style>
+        <p:txBody>
+          <a:bodyPr rtlCol="0" anchor="b"/>
+          <a:lstStyle/>
+          <a:p>
+            <a:r>
+              <a:rPr lang="en-US" altLang="ko-KR" sz="1200">
+                <a:solidFill>
+                  <a:srgbClr val="C00000"/>
+                </a:solidFill>
+              </a:rPr>
+              <a:t>LAN gossip Pool</a:t>
+            </a:r>
+            <a:endParaRPr lang="ko-KR" altLang="en-US" sz="1200">
+              <a:solidFill>
+                <a:srgbClr val="C00000"/>
+              </a:solidFill>
+            </a:endParaRPr>
+          </a:p>
+        </p:txBody>
+      </p:sp>
+      <p:sp>
+        <p:nvSpPr>
+          <p:cNvPr id="114" name="사각형: 둥근 모서리 113">
+            <a:extLst>
+              <a:ext uri="{FF2B5EF4-FFF2-40B4-BE49-F238E27FC236}">
+                <a16:creationId xmlns:a16="http://schemas.microsoft.com/office/drawing/2014/main" id="{E3F48E04-8333-44EE-823D-802006443B42}"/>
+              </a:ext>
+            </a:extLst>
+          </p:cNvPr>
+          <p:cNvSpPr/>
+          <p:nvPr/>
+        </p:nvSpPr>
+        <p:spPr>
+          <a:xfrm>
+            <a:off x="4713555" y="699542"/>
+            <a:ext cx="3888218" cy="4104456"/>
+          </a:xfrm>
+          <a:prstGeom prst="roundRect">
+            <a:avLst>
+              <a:gd name="adj" fmla="val 3131"/>
+            </a:avLst>
+          </a:prstGeom>
+          <a:noFill/>
+        </p:spPr>
+        <p:style>
+          <a:lnRef idx="2">
+            <a:schemeClr val="dk1"/>
+          </a:lnRef>
+          <a:fillRef idx="1">
+            <a:schemeClr val="lt1"/>
+          </a:fillRef>
+          <a:effectRef idx="0">
+            <a:schemeClr val="dk1"/>
+          </a:effectRef>
+          <a:fontRef idx="minor">
+            <a:schemeClr val="dk1"/>
+          </a:fontRef>
+        </p:style>
+        <p:txBody>
+          <a:bodyPr rtlCol="0" anchor="b"/>
+          <a:lstStyle/>
+          <a:p>
+            <a:pPr algn="ctr"/>
+            <a:r>
+              <a:rPr lang="en-US" altLang="ko-KR" sz="1400"/>
+              <a:t>Data Center B</a:t>
+            </a:r>
+            <a:endParaRPr lang="ko-KR" altLang="en-US" sz="1400"/>
+          </a:p>
+        </p:txBody>
+      </p:sp>
+      <p:cxnSp>
+        <p:nvCxnSpPr>
+          <p:cNvPr id="115" name="직선 화살표 연결선 114">
+            <a:extLst>
+              <a:ext uri="{FF2B5EF4-FFF2-40B4-BE49-F238E27FC236}">
+                <a16:creationId xmlns:a16="http://schemas.microsoft.com/office/drawing/2014/main" id="{03458614-EB45-4E5E-8614-DA754736DF17}"/>
+              </a:ext>
+            </a:extLst>
+          </p:cNvPr>
+          <p:cNvCxnSpPr>
+            <a:cxnSpLocks/>
+            <a:stCxn id="13" idx="3"/>
+            <a:endCxn id="103" idx="1"/>
+          </p:cNvCxnSpPr>
+          <p:nvPr/>
+        </p:nvCxnSpPr>
+        <p:spPr>
+          <a:xfrm>
+            <a:off x="3298598" y="2184941"/>
+            <a:ext cx="2624291" cy="0"/>
+          </a:xfrm>
+          <a:prstGeom prst="straightConnector1">
+            <a:avLst/>
+          </a:prstGeom>
+          <a:ln w="28575">
+            <a:solidFill>
+              <a:srgbClr val="C00000"/>
+            </a:solidFill>
+            <a:headEnd type="none" w="med" len="med"/>
+            <a:tailEnd type="arrow" w="med" len="med"/>
+          </a:ln>
+        </p:spPr>
+        <p:style>
+          <a:lnRef idx="1">
+            <a:schemeClr val="accent1"/>
+          </a:lnRef>
+          <a:fillRef idx="0">
+            <a:schemeClr val="accent1"/>
+          </a:fillRef>
+          <a:effectRef idx="0">
+            <a:schemeClr val="accent1"/>
+          </a:effectRef>
+          <a:fontRef idx="minor">
+            <a:schemeClr val="tx1"/>
+          </a:fontRef>
+        </p:style>
+      </p:cxnSp>
+      <p:cxnSp>
+        <p:nvCxnSpPr>
+          <p:cNvPr id="118" name="직선 화살표 연결선 117">
+            <a:extLst>
+              <a:ext uri="{FF2B5EF4-FFF2-40B4-BE49-F238E27FC236}">
+                <a16:creationId xmlns:a16="http://schemas.microsoft.com/office/drawing/2014/main" id="{AF2FCA72-A149-468C-BAC0-F7CB3D69FA4C}"/>
+              </a:ext>
+            </a:extLst>
+          </p:cNvPr>
+          <p:cNvCxnSpPr>
+            <a:cxnSpLocks/>
+            <a:stCxn id="16" idx="3"/>
+            <a:endCxn id="104" idx="1"/>
+          </p:cNvCxnSpPr>
+          <p:nvPr/>
+        </p:nvCxnSpPr>
+        <p:spPr>
+          <a:xfrm>
+            <a:off x="4220449" y="3192831"/>
+            <a:ext cx="772868" cy="0"/>
+          </a:xfrm>
+          <a:prstGeom prst="straightConnector1">
+            <a:avLst/>
+          </a:prstGeom>
+          <a:ln w="28575">
+            <a:solidFill>
+              <a:srgbClr val="C00000"/>
+            </a:solidFill>
+            <a:headEnd type="none" w="med" len="med"/>
+            <a:tailEnd type="arrow" w="med" len="med"/>
+          </a:ln>
+        </p:spPr>
+        <p:style>
+          <a:lnRef idx="1">
+            <a:schemeClr val="accent1"/>
+          </a:lnRef>
+          <a:fillRef idx="0">
+            <a:schemeClr val="accent1"/>
+          </a:fillRef>
+          <a:effectRef idx="0">
+            <a:schemeClr val="accent1"/>
+          </a:effectRef>
+          <a:fontRef idx="minor">
+            <a:schemeClr val="tx1"/>
+          </a:fontRef>
+        </p:style>
+      </p:cxnSp>
+      <p:cxnSp>
+        <p:nvCxnSpPr>
+          <p:cNvPr id="123" name="직선 화살표 연결선 122">
+            <a:extLst>
+              <a:ext uri="{FF2B5EF4-FFF2-40B4-BE49-F238E27FC236}">
+                <a16:creationId xmlns:a16="http://schemas.microsoft.com/office/drawing/2014/main" id="{8ECB6C1D-5C5B-4CC2-BA62-1EACB6E8341B}"/>
+              </a:ext>
+            </a:extLst>
+          </p:cNvPr>
+          <p:cNvCxnSpPr>
+            <a:cxnSpLocks/>
+          </p:cNvCxnSpPr>
+          <p:nvPr/>
+        </p:nvCxnSpPr>
+        <p:spPr>
+          <a:xfrm>
+            <a:off x="2699792" y="1493515"/>
+            <a:ext cx="0" cy="363936"/>
+          </a:xfrm>
+          <a:prstGeom prst="straightConnector1">
+            <a:avLst/>
+          </a:prstGeom>
+          <a:ln w="28575">
+            <a:solidFill>
+              <a:srgbClr val="C00000"/>
+            </a:solidFill>
+            <a:headEnd type="none" w="med" len="med"/>
+            <a:tailEnd type="arrow" w="med" len="med"/>
+          </a:ln>
+        </p:spPr>
+        <p:style>
+          <a:lnRef idx="1">
+            <a:schemeClr val="accent1"/>
+          </a:lnRef>
+          <a:fillRef idx="0">
+            <a:schemeClr val="accent1"/>
+          </a:fillRef>
+          <a:effectRef idx="0">
+            <a:schemeClr val="accent1"/>
+          </a:effectRef>
+          <a:fontRef idx="minor">
+            <a:schemeClr val="tx1"/>
+          </a:fontRef>
+        </p:style>
+      </p:cxnSp>
+      <p:cxnSp>
+        <p:nvCxnSpPr>
+          <p:cNvPr id="126" name="직선 화살표 연결선 125">
+            <a:extLst>
+              <a:ext uri="{FF2B5EF4-FFF2-40B4-BE49-F238E27FC236}">
+                <a16:creationId xmlns:a16="http://schemas.microsoft.com/office/drawing/2014/main" id="{03743D31-2C6B-48D2-A7DF-3E186E113DFB}"/>
+              </a:ext>
+            </a:extLst>
+          </p:cNvPr>
+          <p:cNvCxnSpPr>
+            <a:cxnSpLocks/>
+          </p:cNvCxnSpPr>
+          <p:nvPr/>
+        </p:nvCxnSpPr>
+        <p:spPr>
+          <a:xfrm>
+            <a:off x="2714045" y="1493515"/>
+            <a:ext cx="921851" cy="1371826"/>
+          </a:xfrm>
+          <a:prstGeom prst="straightConnector1">
+            <a:avLst/>
+          </a:prstGeom>
+          <a:ln w="28575">
+            <a:solidFill>
+              <a:srgbClr val="C00000"/>
+            </a:solidFill>
+            <a:headEnd type="none" w="med" len="med"/>
+            <a:tailEnd type="arrow" w="med" len="med"/>
+          </a:ln>
+        </p:spPr>
+        <p:style>
+          <a:lnRef idx="1">
+            <a:schemeClr val="accent1"/>
+          </a:lnRef>
+          <a:fillRef idx="0">
+            <a:schemeClr val="accent1"/>
+          </a:fillRef>
+          <a:effectRef idx="0">
+            <a:schemeClr val="accent1"/>
+          </a:effectRef>
+          <a:fontRef idx="minor">
+            <a:schemeClr val="tx1"/>
+          </a:fontRef>
+        </p:style>
+      </p:cxnSp>
+      <p:sp>
+        <p:nvSpPr>
+          <p:cNvPr id="137" name="TextBox 136">
+            <a:extLst>
+              <a:ext uri="{FF2B5EF4-FFF2-40B4-BE49-F238E27FC236}">
+                <a16:creationId xmlns:a16="http://schemas.microsoft.com/office/drawing/2014/main" id="{7D0C8947-B921-4BEB-8ACF-7005FED2B0ED}"/>
+              </a:ext>
+            </a:extLst>
+          </p:cNvPr>
+          <p:cNvSpPr txBox="1"/>
+          <p:nvPr/>
+        </p:nvSpPr>
+        <p:spPr>
+          <a:xfrm>
+            <a:off x="4088056" y="4848329"/>
+            <a:ext cx="3071410" cy="276999"/>
+          </a:xfrm>
+          <a:prstGeom prst="rect">
+            <a:avLst/>
+          </a:prstGeom>
+          <a:noFill/>
+        </p:spPr>
+        <p:txBody>
+          <a:bodyPr wrap="square" rtlCol="0">
+            <a:spAutoFit/>
+          </a:bodyPr>
+          <a:lstStyle/>
+          <a:p>
+            <a:r>
+              <a:rPr lang="en-US" altLang="ko-KR" sz="1200"/>
+              <a:t>Client Request to Remote Consul Server</a:t>
+            </a:r>
+          </a:p>
+        </p:txBody>
+      </p:sp>
+      <p:cxnSp>
+        <p:nvCxnSpPr>
+          <p:cNvPr id="138" name="직선 화살표 연결선 137">
+            <a:extLst>
+              <a:ext uri="{FF2B5EF4-FFF2-40B4-BE49-F238E27FC236}">
+                <a16:creationId xmlns:a16="http://schemas.microsoft.com/office/drawing/2014/main" id="{B3990640-820E-4F2E-954B-3123883D6F43}"/>
+              </a:ext>
+            </a:extLst>
+          </p:cNvPr>
+          <p:cNvCxnSpPr>
+            <a:cxnSpLocks/>
+            <a:stCxn id="35" idx="3"/>
+            <a:endCxn id="137" idx="1"/>
+          </p:cNvCxnSpPr>
+          <p:nvPr/>
+        </p:nvCxnSpPr>
+        <p:spPr>
+          <a:xfrm>
+            <a:off x="3857599" y="4983190"/>
+            <a:ext cx="230457" cy="3639"/>
+          </a:xfrm>
+          <a:prstGeom prst="straightConnector1">
+            <a:avLst/>
+          </a:prstGeom>
+          <a:ln w="28575">
+            <a:solidFill>
+              <a:srgbClr val="C00000"/>
+            </a:solidFill>
+            <a:headEnd type="none" w="med" len="med"/>
+            <a:tailEnd type="arrow" w="med" len="med"/>
+          </a:ln>
+        </p:spPr>
+        <p:style>
+          <a:lnRef idx="1">
+            <a:schemeClr val="accent1"/>
+          </a:lnRef>
+          <a:fillRef idx="0">
+            <a:schemeClr val="accent1"/>
+          </a:fillRef>
+          <a:effectRef idx="0">
+            <a:schemeClr val="accent1"/>
+          </a:effectRef>
+          <a:fontRef idx="minor">
+            <a:schemeClr val="tx1"/>
+          </a:fontRef>
+        </p:style>
+      </p:cxnSp>
+    </p:spTree>
+    <p:extLst>
+      <p:ext uri="{BB962C8B-B14F-4D97-AF65-F5344CB8AC3E}">
+        <p14:creationId xmlns:p14="http://schemas.microsoft.com/office/powerpoint/2010/main" val="1071312908"/>
+      </p:ext>
+    </p:extLst>
+  </p:cSld>
+  <p:clrMapOvr>
+    <a:masterClrMapping/>
+  </p:clrMapOvr>
+</p:sld>
+</file>
+
+<file path=ppt/slides/slide4.xml><?xml version="1.0" encoding="utf-8"?>
 <p:sld xmlns:a="http://schemas.openxmlformats.org/drawingml/2006/main" xmlns:r="http://schemas.openxmlformats.org/officeDocument/2006/relationships" xmlns:p="http://schemas.openxmlformats.org/presentationml/2006/main">
   <p:cSld>
     <p:spTree>
